--- a/lec/lec12.pptx
+++ b/lec/lec12.pptx
@@ -829,10 +829,10 @@
           </a:ln>
           <a:extLst>
             <a:ext uri="{FAA26D3D-D897-4be2-8F04-BA451C77F1D7}">
-              <ma14:placeholderFlag xmlns="" xmlns:ma14="http://schemas.microsoft.com/office/mac/drawingml/2011/main" val="1"/>
+              <ma14:placeholderFlag xmlns:ma14="http://schemas.microsoft.com/office/mac/drawingml/2011/main" xmlns="" val="1"/>
             </a:ext>
             <a:ext uri="{909E8E84-426E-40dd-AFC4-6F175D3DCCD1}">
-              <a14:hiddenFill xmlns="" xmlns:a14="http://schemas.microsoft.com/office/drawing/2010/main">
+              <a14:hiddenFill xmlns:a14="http://schemas.microsoft.com/office/drawing/2010/main" xmlns="">
                 <a:solidFill>
                   <a:srgbClr val="FFFFFF"/>
                 </a:solidFill>
@@ -1007,14 +1007,14 @@
           <a:ln/>
           <a:extLst>
             <a:ext uri="{909E8E84-426E-40dd-AFC4-6F175D3DCCD1}">
-              <a14:hiddenFill xmlns:a14="http://schemas.microsoft.com/office/drawing/2010/main" xmlns="">
+              <a14:hiddenFill xmlns="" xmlns:a14="http://schemas.microsoft.com/office/drawing/2010/main">
                 <a:solidFill>
                   <a:srgbClr val="FFFFFF"/>
                 </a:solidFill>
               </a14:hiddenFill>
             </a:ext>
             <a:ext uri="{91240B29-F687-4f45-9708-019B960494DF}">
-              <a14:hiddenLine xmlns:a14="http://schemas.microsoft.com/office/drawing/2010/main" xmlns="" w="9525">
+              <a14:hiddenLine xmlns="" xmlns:a14="http://schemas.microsoft.com/office/drawing/2010/main" w="9525">
                 <a:solidFill>
                   <a:srgbClr val="000000"/>
                 </a:solidFill>
@@ -1235,17 +1235,17 @@
           <a:ln/>
           <a:extLst>
             <a:ext uri="{FAA26D3D-D897-4be2-8F04-BA451C77F1D7}">
-              <ma14:placeholderFlag xmlns="" xmlns:ma14="http://schemas.microsoft.com/office/mac/drawingml/2011/main" val="1"/>
+              <ma14:placeholderFlag xmlns:ma14="http://schemas.microsoft.com/office/mac/drawingml/2011/main" xmlns="" val="1"/>
             </a:ext>
             <a:ext uri="{909E8E84-426E-40dd-AFC4-6F175D3DCCD1}">
-              <a14:hiddenFill xmlns:a14="http://schemas.microsoft.com/office/drawing/2010/main" xmlns="">
+              <a14:hiddenFill xmlns="" xmlns:a14="http://schemas.microsoft.com/office/drawing/2010/main">
                 <a:solidFill>
                   <a:srgbClr val="FFFFFF"/>
                 </a:solidFill>
               </a14:hiddenFill>
             </a:ext>
             <a:ext uri="{91240B29-F687-4f45-9708-019B960494DF}">
-              <a14:hiddenLine xmlns:a14="http://schemas.microsoft.com/office/drawing/2010/main" xmlns="" w="9525">
+              <a14:hiddenLine xmlns="" xmlns:a14="http://schemas.microsoft.com/office/drawing/2010/main" w="9525">
                 <a:solidFill>
                   <a:srgbClr val="000000"/>
                 </a:solidFill>
@@ -5886,17 +5886,17 @@
           </a:ln>
           <a:extLst>
             <a:ext uri="{FAA26D3D-D897-4be2-8F04-BA451C77F1D7}">
-              <ma14:placeholderFlag xmlns:ma14="http://schemas.microsoft.com/office/mac/drawingml/2011/main" xmlns="" val="1"/>
+              <ma14:placeholderFlag xmlns="" xmlns:ma14="http://schemas.microsoft.com/office/mac/drawingml/2011/main" val="1"/>
             </a:ext>
             <a:ext uri="{909E8E84-426E-40dd-AFC4-6F175D3DCCD1}">
-              <a14:hiddenFill xmlns="" xmlns:a14="http://schemas.microsoft.com/office/drawing/2010/main">
+              <a14:hiddenFill xmlns:a14="http://schemas.microsoft.com/office/drawing/2010/main" xmlns="">
                 <a:solidFill>
                   <a:srgbClr val="FFFFFF"/>
                 </a:solidFill>
               </a14:hiddenFill>
             </a:ext>
             <a:ext uri="{91240B29-F687-4f45-9708-019B960494DF}">
-              <a14:hiddenLine xmlns="" xmlns:a14="http://schemas.microsoft.com/office/drawing/2010/main" w="9525">
+              <a14:hiddenLine xmlns:a14="http://schemas.microsoft.com/office/drawing/2010/main" xmlns="" w="9525">
                 <a:solidFill>
                   <a:srgbClr val="000000"/>
                 </a:solidFill>
@@ -16429,7 +16429,7 @@
             <a:effectLst/>
             <a:extLst>
               <a:ext uri="{C572A759-6A51-4108-AA02-DFA0A04FC94B}">
-                <ma14:wrappingTextBoxFlag xmlns="" xmlns:ma14="http://schemas.microsoft.com/office/mac/drawingml/2011/main" val="1"/>
+                <ma14:wrappingTextBoxFlag xmlns:ma14="http://schemas.microsoft.com/office/mac/drawingml/2011/main" xmlns="" val="1"/>
               </a:ext>
             </a:extLst>
           </p:spPr>
@@ -16487,7 +16487,7 @@
             <a:effectLst/>
             <a:extLst>
               <a:ext uri="{C572A759-6A51-4108-AA02-DFA0A04FC94B}">
-                <ma14:wrappingTextBoxFlag xmlns="" xmlns:ma14="http://schemas.microsoft.com/office/mac/drawingml/2011/main" val="1"/>
+                <ma14:wrappingTextBoxFlag xmlns:ma14="http://schemas.microsoft.com/office/mac/drawingml/2011/main" xmlns="" val="1"/>
               </a:ext>
             </a:extLst>
           </p:spPr>
@@ -16629,7 +16629,7 @@
             <a:effectLst/>
             <a:extLst>
               <a:ext uri="{C572A759-6A51-4108-AA02-DFA0A04FC94B}">
-                <ma14:wrappingTextBoxFlag xmlns="" xmlns:ma14="http://schemas.microsoft.com/office/mac/drawingml/2011/main" val="1"/>
+                <ma14:wrappingTextBoxFlag xmlns:ma14="http://schemas.microsoft.com/office/mac/drawingml/2011/main" xmlns="" val="1"/>
               </a:ext>
             </a:extLst>
           </p:spPr>
@@ -16687,7 +16687,7 @@
             <a:effectLst/>
             <a:extLst>
               <a:ext uri="{C572A759-6A51-4108-AA02-DFA0A04FC94B}">
-                <ma14:wrappingTextBoxFlag xmlns="" xmlns:ma14="http://schemas.microsoft.com/office/mac/drawingml/2011/main" val="1"/>
+                <ma14:wrappingTextBoxFlag xmlns:ma14="http://schemas.microsoft.com/office/mac/drawingml/2011/main" xmlns="" val="1"/>
               </a:ext>
             </a:extLst>
           </p:spPr>
@@ -16743,7 +16743,7 @@
           </a:ln>
           <a:extLst>
             <a:ext uri="{C572A759-6A51-4108-AA02-DFA0A04FC94B}">
-              <ma14:wrappingTextBoxFlag xmlns="" xmlns:ma14="http://schemas.microsoft.com/office/mac/drawingml/2011/main" val="1"/>
+              <ma14:wrappingTextBoxFlag xmlns:ma14="http://schemas.microsoft.com/office/mac/drawingml/2011/main" xmlns="" val="1"/>
             </a:ext>
           </a:extLst>
         </p:spPr>
@@ -16798,7 +16798,7 @@
           </a:ln>
           <a:extLst>
             <a:ext uri="{C572A759-6A51-4108-AA02-DFA0A04FC94B}">
-              <ma14:wrappingTextBoxFlag xmlns="" xmlns:ma14="http://schemas.microsoft.com/office/mac/drawingml/2011/main" val="1"/>
+              <ma14:wrappingTextBoxFlag xmlns:ma14="http://schemas.microsoft.com/office/mac/drawingml/2011/main" xmlns="" val="1"/>
             </a:ext>
           </a:extLst>
         </p:spPr>
@@ -16853,7 +16853,7 @@
           </a:ln>
           <a:extLst>
             <a:ext uri="{C572A759-6A51-4108-AA02-DFA0A04FC94B}">
-              <ma14:wrappingTextBoxFlag xmlns="" xmlns:ma14="http://schemas.microsoft.com/office/mac/drawingml/2011/main" val="1"/>
+              <ma14:wrappingTextBoxFlag xmlns:ma14="http://schemas.microsoft.com/office/mac/drawingml/2011/main" xmlns="" val="1"/>
             </a:ext>
           </a:extLst>
         </p:spPr>
@@ -17030,7 +17030,7 @@
           </a:ln>
           <a:extLst>
             <a:ext uri="{C572A759-6A51-4108-AA02-DFA0A04FC94B}">
-              <ma14:wrappingTextBoxFlag xmlns="" xmlns:ma14="http://schemas.microsoft.com/office/mac/drawingml/2011/main" val="1"/>
+              <ma14:wrappingTextBoxFlag xmlns:ma14="http://schemas.microsoft.com/office/mac/drawingml/2011/main" xmlns="" val="1"/>
             </a:ext>
           </a:extLst>
         </p:spPr>
@@ -17089,7 +17089,7 @@
           </a:ln>
           <a:extLst>
             <a:ext uri="{C572A759-6A51-4108-AA02-DFA0A04FC94B}">
-              <ma14:wrappingTextBoxFlag xmlns="" xmlns:ma14="http://schemas.microsoft.com/office/mac/drawingml/2011/main" val="1"/>
+              <ma14:wrappingTextBoxFlag xmlns:ma14="http://schemas.microsoft.com/office/mac/drawingml/2011/main" xmlns="" val="1"/>
             </a:ext>
           </a:extLst>
         </p:spPr>
@@ -17148,7 +17148,7 @@
           </a:ln>
           <a:extLst>
             <a:ext uri="{C572A759-6A51-4108-AA02-DFA0A04FC94B}">
-              <ma14:wrappingTextBoxFlag xmlns="" xmlns:ma14="http://schemas.microsoft.com/office/mac/drawingml/2011/main" val="1"/>
+              <ma14:wrappingTextBoxFlag xmlns:ma14="http://schemas.microsoft.com/office/mac/drawingml/2011/main" xmlns="" val="1"/>
             </a:ext>
           </a:extLst>
         </p:spPr>
@@ -17202,7 +17202,7 @@
           </a:ln>
           <a:extLst>
             <a:ext uri="{C572A759-6A51-4108-AA02-DFA0A04FC94B}">
-              <ma14:wrappingTextBoxFlag xmlns="" xmlns:ma14="http://schemas.microsoft.com/office/mac/drawingml/2011/main" val="1"/>
+              <ma14:wrappingTextBoxFlag xmlns:ma14="http://schemas.microsoft.com/office/mac/drawingml/2011/main" xmlns="" val="1"/>
             </a:ext>
           </a:extLst>
         </p:spPr>
@@ -17255,7 +17255,7 @@
           </a:ln>
           <a:extLst>
             <a:ext uri="{C572A759-6A51-4108-AA02-DFA0A04FC94B}">
-              <ma14:wrappingTextBoxFlag xmlns="" xmlns:ma14="http://schemas.microsoft.com/office/mac/drawingml/2011/main" val="1"/>
+              <ma14:wrappingTextBoxFlag xmlns:ma14="http://schemas.microsoft.com/office/mac/drawingml/2011/main" xmlns="" val="1"/>
             </a:ext>
           </a:extLst>
         </p:spPr>
@@ -17308,7 +17308,7 @@
           </a:ln>
           <a:extLst>
             <a:ext uri="{C572A759-6A51-4108-AA02-DFA0A04FC94B}">
-              <ma14:wrappingTextBoxFlag xmlns="" xmlns:ma14="http://schemas.microsoft.com/office/mac/drawingml/2011/main" val="1"/>
+              <ma14:wrappingTextBoxFlag xmlns:ma14="http://schemas.microsoft.com/office/mac/drawingml/2011/main" xmlns="" val="1"/>
             </a:ext>
           </a:extLst>
         </p:spPr>
@@ -17483,7 +17483,7 @@
           </a:ln>
           <a:extLst>
             <a:ext uri="{C572A759-6A51-4108-AA02-DFA0A04FC94B}">
-              <ma14:wrappingTextBoxFlag xmlns="" xmlns:ma14="http://schemas.microsoft.com/office/mac/drawingml/2011/main" val="1"/>
+              <ma14:wrappingTextBoxFlag xmlns:ma14="http://schemas.microsoft.com/office/mac/drawingml/2011/main" xmlns="" val="1"/>
             </a:ext>
           </a:extLst>
         </p:spPr>
@@ -17685,7 +17685,7 @@
             <a:effectLst/>
             <a:extLst>
               <a:ext uri="{C572A759-6A51-4108-AA02-DFA0A04FC94B}">
-                <ma14:wrappingTextBoxFlag xmlns="" xmlns:ma14="http://schemas.microsoft.com/office/mac/drawingml/2011/main" val="1"/>
+                <ma14:wrappingTextBoxFlag xmlns:ma14="http://schemas.microsoft.com/office/mac/drawingml/2011/main" xmlns="" val="1"/>
               </a:ext>
             </a:extLst>
           </p:spPr>
@@ -17743,7 +17743,7 @@
             <a:effectLst/>
             <a:extLst>
               <a:ext uri="{C572A759-6A51-4108-AA02-DFA0A04FC94B}">
-                <ma14:wrappingTextBoxFlag xmlns="" xmlns:ma14="http://schemas.microsoft.com/office/mac/drawingml/2011/main" val="1"/>
+                <ma14:wrappingTextBoxFlag xmlns:ma14="http://schemas.microsoft.com/office/mac/drawingml/2011/main" xmlns="" val="1"/>
               </a:ext>
             </a:extLst>
           </p:spPr>
@@ -17885,7 +17885,7 @@
             <a:effectLst/>
             <a:extLst>
               <a:ext uri="{C572A759-6A51-4108-AA02-DFA0A04FC94B}">
-                <ma14:wrappingTextBoxFlag xmlns="" xmlns:ma14="http://schemas.microsoft.com/office/mac/drawingml/2011/main" val="1"/>
+                <ma14:wrappingTextBoxFlag xmlns:ma14="http://schemas.microsoft.com/office/mac/drawingml/2011/main" xmlns="" val="1"/>
               </a:ext>
             </a:extLst>
           </p:spPr>
@@ -17943,7 +17943,7 @@
             <a:effectLst/>
             <a:extLst>
               <a:ext uri="{C572A759-6A51-4108-AA02-DFA0A04FC94B}">
-                <ma14:wrappingTextBoxFlag xmlns="" xmlns:ma14="http://schemas.microsoft.com/office/mac/drawingml/2011/main" val="1"/>
+                <ma14:wrappingTextBoxFlag xmlns:ma14="http://schemas.microsoft.com/office/mac/drawingml/2011/main" xmlns="" val="1"/>
               </a:ext>
             </a:extLst>
           </p:spPr>
@@ -17999,7 +17999,7 @@
           </a:ln>
           <a:extLst>
             <a:ext uri="{C572A759-6A51-4108-AA02-DFA0A04FC94B}">
-              <ma14:wrappingTextBoxFlag xmlns="" xmlns:ma14="http://schemas.microsoft.com/office/mac/drawingml/2011/main" val="1"/>
+              <ma14:wrappingTextBoxFlag xmlns:ma14="http://schemas.microsoft.com/office/mac/drawingml/2011/main" xmlns="" val="1"/>
             </a:ext>
           </a:extLst>
         </p:spPr>
@@ -18052,7 +18052,7 @@
           </a:ln>
           <a:extLst>
             <a:ext uri="{C572A759-6A51-4108-AA02-DFA0A04FC94B}">
-              <ma14:wrappingTextBoxFlag xmlns="" xmlns:ma14="http://schemas.microsoft.com/office/mac/drawingml/2011/main" val="1"/>
+              <ma14:wrappingTextBoxFlag xmlns:ma14="http://schemas.microsoft.com/office/mac/drawingml/2011/main" xmlns="" val="1"/>
             </a:ext>
           </a:extLst>
         </p:spPr>
@@ -18170,7 +18170,7 @@
             <a:effectLst/>
             <a:extLst>
               <a:ext uri="{C572A759-6A51-4108-AA02-DFA0A04FC94B}">
-                <ma14:wrappingTextBoxFlag xmlns="" xmlns:ma14="http://schemas.microsoft.com/office/mac/drawingml/2011/main" val="1"/>
+                <ma14:wrappingTextBoxFlag xmlns:ma14="http://schemas.microsoft.com/office/mac/drawingml/2011/main" xmlns="" val="1"/>
               </a:ext>
             </a:extLst>
           </p:spPr>
@@ -18228,7 +18228,7 @@
             <a:effectLst/>
             <a:extLst>
               <a:ext uri="{C572A759-6A51-4108-AA02-DFA0A04FC94B}">
-                <ma14:wrappingTextBoxFlag xmlns="" xmlns:ma14="http://schemas.microsoft.com/office/mac/drawingml/2011/main" val="1"/>
+                <ma14:wrappingTextBoxFlag xmlns:ma14="http://schemas.microsoft.com/office/mac/drawingml/2011/main" xmlns="" val="1"/>
               </a:ext>
             </a:extLst>
           </p:spPr>
@@ -18370,7 +18370,7 @@
             <a:effectLst/>
             <a:extLst>
               <a:ext uri="{C572A759-6A51-4108-AA02-DFA0A04FC94B}">
-                <ma14:wrappingTextBoxFlag xmlns="" xmlns:ma14="http://schemas.microsoft.com/office/mac/drawingml/2011/main" val="1"/>
+                <ma14:wrappingTextBoxFlag xmlns:ma14="http://schemas.microsoft.com/office/mac/drawingml/2011/main" xmlns="" val="1"/>
               </a:ext>
             </a:extLst>
           </p:spPr>
@@ -18428,7 +18428,7 @@
             <a:effectLst/>
             <a:extLst>
               <a:ext uri="{C572A759-6A51-4108-AA02-DFA0A04FC94B}">
-                <ma14:wrappingTextBoxFlag xmlns="" xmlns:ma14="http://schemas.microsoft.com/office/mac/drawingml/2011/main" val="1"/>
+                <ma14:wrappingTextBoxFlag xmlns:ma14="http://schemas.microsoft.com/office/mac/drawingml/2011/main" xmlns="" val="1"/>
               </a:ext>
             </a:extLst>
           </p:spPr>
@@ -18484,7 +18484,7 @@
           </a:ln>
           <a:extLst>
             <a:ext uri="{C572A759-6A51-4108-AA02-DFA0A04FC94B}">
-              <ma14:wrappingTextBoxFlag xmlns="" xmlns:ma14="http://schemas.microsoft.com/office/mac/drawingml/2011/main" val="1"/>
+              <ma14:wrappingTextBoxFlag xmlns:ma14="http://schemas.microsoft.com/office/mac/drawingml/2011/main" xmlns="" val="1"/>
             </a:ext>
           </a:extLst>
         </p:spPr>
@@ -18537,7 +18537,7 @@
           </a:ln>
           <a:extLst>
             <a:ext uri="{C572A759-6A51-4108-AA02-DFA0A04FC94B}">
-              <ma14:wrappingTextBoxFlag xmlns="" xmlns:ma14="http://schemas.microsoft.com/office/mac/drawingml/2011/main" val="1"/>
+              <ma14:wrappingTextBoxFlag xmlns:ma14="http://schemas.microsoft.com/office/mac/drawingml/2011/main" xmlns="" val="1"/>
             </a:ext>
           </a:extLst>
         </p:spPr>
@@ -19312,7 +19312,7 @@
           </a:ln>
           <a:extLst>
             <a:ext uri="{C572A759-6A51-4108-AA02-DFA0A04FC94B}">
-              <ma14:wrappingTextBoxFlag xmlns="" xmlns:ma14="http://schemas.microsoft.com/office/mac/drawingml/2011/main" val="1"/>
+              <ma14:wrappingTextBoxFlag xmlns:ma14="http://schemas.microsoft.com/office/mac/drawingml/2011/main" xmlns="" val="1"/>
             </a:ext>
           </a:extLst>
         </p:spPr>
@@ -19367,7 +19367,7 @@
           </a:ln>
           <a:extLst>
             <a:ext uri="{C572A759-6A51-4108-AA02-DFA0A04FC94B}">
-              <ma14:wrappingTextBoxFlag xmlns="" xmlns:ma14="http://schemas.microsoft.com/office/mac/drawingml/2011/main" val="1"/>
+              <ma14:wrappingTextBoxFlag xmlns:ma14="http://schemas.microsoft.com/office/mac/drawingml/2011/main" xmlns="" val="1"/>
             </a:ext>
           </a:extLst>
         </p:spPr>
@@ -19422,7 +19422,7 @@
           </a:ln>
           <a:extLst>
             <a:ext uri="{C572A759-6A51-4108-AA02-DFA0A04FC94B}">
-              <ma14:wrappingTextBoxFlag xmlns="" xmlns:ma14="http://schemas.microsoft.com/office/mac/drawingml/2011/main" val="1"/>
+              <ma14:wrappingTextBoxFlag xmlns:ma14="http://schemas.microsoft.com/office/mac/drawingml/2011/main" xmlns="" val="1"/>
             </a:ext>
           </a:extLst>
         </p:spPr>
@@ -19593,7 +19593,7 @@
           </a:ln>
           <a:extLst>
             <a:ext uri="{C572A759-6A51-4108-AA02-DFA0A04FC94B}">
-              <ma14:wrappingTextBoxFlag xmlns="" xmlns:ma14="http://schemas.microsoft.com/office/mac/drawingml/2011/main" val="1"/>
+              <ma14:wrappingTextBoxFlag xmlns:ma14="http://schemas.microsoft.com/office/mac/drawingml/2011/main" xmlns="" val="1"/>
             </a:ext>
           </a:extLst>
         </p:spPr>
@@ -19651,7 +19651,7 @@
           </a:ln>
           <a:extLst>
             <a:ext uri="{C572A759-6A51-4108-AA02-DFA0A04FC94B}">
-              <ma14:wrappingTextBoxFlag xmlns="" xmlns:ma14="http://schemas.microsoft.com/office/mac/drawingml/2011/main" val="1"/>
+              <ma14:wrappingTextBoxFlag xmlns:ma14="http://schemas.microsoft.com/office/mac/drawingml/2011/main" xmlns="" val="1"/>
             </a:ext>
           </a:extLst>
         </p:spPr>
@@ -19709,7 +19709,7 @@
           </a:ln>
           <a:extLst>
             <a:ext uri="{C572A759-6A51-4108-AA02-DFA0A04FC94B}">
-              <ma14:wrappingTextBoxFlag xmlns="" xmlns:ma14="http://schemas.microsoft.com/office/mac/drawingml/2011/main" val="1"/>
+              <ma14:wrappingTextBoxFlag xmlns:ma14="http://schemas.microsoft.com/office/mac/drawingml/2011/main" xmlns="" val="1"/>
             </a:ext>
           </a:extLst>
         </p:spPr>
@@ -19762,7 +19762,7 @@
           </a:ln>
           <a:extLst>
             <a:ext uri="{C572A759-6A51-4108-AA02-DFA0A04FC94B}">
-              <ma14:wrappingTextBoxFlag xmlns="" xmlns:ma14="http://schemas.microsoft.com/office/mac/drawingml/2011/main" val="1"/>
+              <ma14:wrappingTextBoxFlag xmlns:ma14="http://schemas.microsoft.com/office/mac/drawingml/2011/main" xmlns="" val="1"/>
             </a:ext>
           </a:extLst>
         </p:spPr>
@@ -19817,7 +19817,7 @@
           </a:ln>
           <a:extLst>
             <a:ext uri="{C572A759-6A51-4108-AA02-DFA0A04FC94B}">
-              <ma14:wrappingTextBoxFlag xmlns="" xmlns:ma14="http://schemas.microsoft.com/office/mac/drawingml/2011/main" val="1"/>
+              <ma14:wrappingTextBoxFlag xmlns:ma14="http://schemas.microsoft.com/office/mac/drawingml/2011/main" xmlns="" val="1"/>
             </a:ext>
           </a:extLst>
         </p:spPr>
@@ -19872,7 +19872,7 @@
           </a:ln>
           <a:extLst>
             <a:ext uri="{C572A759-6A51-4108-AA02-DFA0A04FC94B}">
-              <ma14:wrappingTextBoxFlag xmlns="" xmlns:ma14="http://schemas.microsoft.com/office/mac/drawingml/2011/main" val="1"/>
+              <ma14:wrappingTextBoxFlag xmlns:ma14="http://schemas.microsoft.com/office/mac/drawingml/2011/main" xmlns="" val="1"/>
             </a:ext>
           </a:extLst>
         </p:spPr>
@@ -19927,7 +19927,7 @@
           </a:ln>
           <a:extLst>
             <a:ext uri="{C572A759-6A51-4108-AA02-DFA0A04FC94B}">
-              <ma14:wrappingTextBoxFlag xmlns="" xmlns:ma14="http://schemas.microsoft.com/office/mac/drawingml/2011/main" val="1"/>
+              <ma14:wrappingTextBoxFlag xmlns:ma14="http://schemas.microsoft.com/office/mac/drawingml/2011/main" xmlns="" val="1"/>
             </a:ext>
           </a:extLst>
         </p:spPr>
@@ -19982,7 +19982,7 @@
           </a:ln>
           <a:extLst>
             <a:ext uri="{C572A759-6A51-4108-AA02-DFA0A04FC94B}">
-              <ma14:wrappingTextBoxFlag xmlns="" xmlns:ma14="http://schemas.microsoft.com/office/mac/drawingml/2011/main" val="1"/>
+              <ma14:wrappingTextBoxFlag xmlns:ma14="http://schemas.microsoft.com/office/mac/drawingml/2011/main" xmlns="" val="1"/>
             </a:ext>
           </a:extLst>
         </p:spPr>
@@ -20035,7 +20035,7 @@
           </a:ln>
           <a:extLst>
             <a:ext uri="{C572A759-6A51-4108-AA02-DFA0A04FC94B}">
-              <ma14:wrappingTextBoxFlag xmlns="" xmlns:ma14="http://schemas.microsoft.com/office/mac/drawingml/2011/main" val="1"/>
+              <ma14:wrappingTextBoxFlag xmlns:ma14="http://schemas.microsoft.com/office/mac/drawingml/2011/main" xmlns="" val="1"/>
             </a:ext>
           </a:extLst>
         </p:spPr>
@@ -20088,7 +20088,7 @@
           </a:ln>
           <a:extLst>
             <a:ext uri="{C572A759-6A51-4108-AA02-DFA0A04FC94B}">
-              <ma14:wrappingTextBoxFlag xmlns="" xmlns:ma14="http://schemas.microsoft.com/office/mac/drawingml/2011/main" val="1"/>
+              <ma14:wrappingTextBoxFlag xmlns:ma14="http://schemas.microsoft.com/office/mac/drawingml/2011/main" xmlns="" val="1"/>
             </a:ext>
           </a:extLst>
         </p:spPr>
@@ -20141,7 +20141,7 @@
           </a:ln>
           <a:extLst>
             <a:ext uri="{C572A759-6A51-4108-AA02-DFA0A04FC94B}">
-              <ma14:wrappingTextBoxFlag xmlns="" xmlns:ma14="http://schemas.microsoft.com/office/mac/drawingml/2011/main" val="1"/>
+              <ma14:wrappingTextBoxFlag xmlns:ma14="http://schemas.microsoft.com/office/mac/drawingml/2011/main" xmlns="" val="1"/>
             </a:ext>
           </a:extLst>
         </p:spPr>
@@ -20259,7 +20259,7 @@
             <a:effectLst/>
             <a:extLst>
               <a:ext uri="{C572A759-6A51-4108-AA02-DFA0A04FC94B}">
-                <ma14:wrappingTextBoxFlag xmlns="" xmlns:ma14="http://schemas.microsoft.com/office/mac/drawingml/2011/main" val="1"/>
+                <ma14:wrappingTextBoxFlag xmlns:ma14="http://schemas.microsoft.com/office/mac/drawingml/2011/main" xmlns="" val="1"/>
               </a:ext>
             </a:extLst>
           </p:spPr>
@@ -20317,7 +20317,7 @@
             <a:effectLst/>
             <a:extLst>
               <a:ext uri="{C572A759-6A51-4108-AA02-DFA0A04FC94B}">
-                <ma14:wrappingTextBoxFlag xmlns="" xmlns:ma14="http://schemas.microsoft.com/office/mac/drawingml/2011/main" val="1"/>
+                <ma14:wrappingTextBoxFlag xmlns:ma14="http://schemas.microsoft.com/office/mac/drawingml/2011/main" xmlns="" val="1"/>
               </a:ext>
             </a:extLst>
           </p:spPr>
@@ -20459,7 +20459,7 @@
             <a:effectLst/>
             <a:extLst>
               <a:ext uri="{C572A759-6A51-4108-AA02-DFA0A04FC94B}">
-                <ma14:wrappingTextBoxFlag xmlns="" xmlns:ma14="http://schemas.microsoft.com/office/mac/drawingml/2011/main" val="1"/>
+                <ma14:wrappingTextBoxFlag xmlns:ma14="http://schemas.microsoft.com/office/mac/drawingml/2011/main" xmlns="" val="1"/>
               </a:ext>
             </a:extLst>
           </p:spPr>
@@ -20515,7 +20515,7 @@
           </a:ln>
           <a:extLst>
             <a:ext uri="{C572A759-6A51-4108-AA02-DFA0A04FC94B}">
-              <ma14:wrappingTextBoxFlag xmlns="" xmlns:ma14="http://schemas.microsoft.com/office/mac/drawingml/2011/main" val="1"/>
+              <ma14:wrappingTextBoxFlag xmlns:ma14="http://schemas.microsoft.com/office/mac/drawingml/2011/main" xmlns="" val="1"/>
             </a:ext>
           </a:extLst>
         </p:spPr>
@@ -20568,7 +20568,7 @@
           </a:ln>
           <a:extLst>
             <a:ext uri="{C572A759-6A51-4108-AA02-DFA0A04FC94B}">
-              <ma14:wrappingTextBoxFlag xmlns="" xmlns:ma14="http://schemas.microsoft.com/office/mac/drawingml/2011/main" val="1"/>
+              <ma14:wrappingTextBoxFlag xmlns:ma14="http://schemas.microsoft.com/office/mac/drawingml/2011/main" xmlns="" val="1"/>
             </a:ext>
           </a:extLst>
         </p:spPr>
@@ -20621,7 +20621,7 @@
           </a:ln>
           <a:extLst>
             <a:ext uri="{C572A759-6A51-4108-AA02-DFA0A04FC94B}">
-              <ma14:wrappingTextBoxFlag xmlns="" xmlns:ma14="http://schemas.microsoft.com/office/mac/drawingml/2011/main" val="1"/>
+              <ma14:wrappingTextBoxFlag xmlns:ma14="http://schemas.microsoft.com/office/mac/drawingml/2011/main" xmlns="" val="1"/>
             </a:ext>
           </a:extLst>
         </p:spPr>
@@ -20739,7 +20739,7 @@
             <a:effectLst/>
             <a:extLst>
               <a:ext uri="{C572A759-6A51-4108-AA02-DFA0A04FC94B}">
-                <ma14:wrappingTextBoxFlag xmlns="" xmlns:ma14="http://schemas.microsoft.com/office/mac/drawingml/2011/main" val="1"/>
+                <ma14:wrappingTextBoxFlag xmlns:ma14="http://schemas.microsoft.com/office/mac/drawingml/2011/main" xmlns="" val="1"/>
               </a:ext>
             </a:extLst>
           </p:spPr>
@@ -20797,7 +20797,7 @@
             <a:effectLst/>
             <a:extLst>
               <a:ext uri="{C572A759-6A51-4108-AA02-DFA0A04FC94B}">
-                <ma14:wrappingTextBoxFlag xmlns="" xmlns:ma14="http://schemas.microsoft.com/office/mac/drawingml/2011/main" val="1"/>
+                <ma14:wrappingTextBoxFlag xmlns:ma14="http://schemas.microsoft.com/office/mac/drawingml/2011/main" xmlns="" val="1"/>
               </a:ext>
             </a:extLst>
           </p:spPr>
@@ -20939,7 +20939,7 @@
             <a:effectLst/>
             <a:extLst>
               <a:ext uri="{C572A759-6A51-4108-AA02-DFA0A04FC94B}">
-                <ma14:wrappingTextBoxFlag xmlns="" xmlns:ma14="http://schemas.microsoft.com/office/mac/drawingml/2011/main" val="1"/>
+                <ma14:wrappingTextBoxFlag xmlns:ma14="http://schemas.microsoft.com/office/mac/drawingml/2011/main" xmlns="" val="1"/>
               </a:ext>
             </a:extLst>
           </p:spPr>
@@ -21060,7 +21060,7 @@
             <a:effectLst/>
             <a:extLst>
               <a:ext uri="{C572A759-6A51-4108-AA02-DFA0A04FC94B}">
-                <ma14:wrappingTextBoxFlag xmlns="" xmlns:ma14="http://schemas.microsoft.com/office/mac/drawingml/2011/main" val="1"/>
+                <ma14:wrappingTextBoxFlag xmlns:ma14="http://schemas.microsoft.com/office/mac/drawingml/2011/main" xmlns="" val="1"/>
               </a:ext>
             </a:extLst>
           </p:spPr>
@@ -21118,7 +21118,7 @@
             <a:effectLst/>
             <a:extLst>
               <a:ext uri="{C572A759-6A51-4108-AA02-DFA0A04FC94B}">
-                <ma14:wrappingTextBoxFlag xmlns="" xmlns:ma14="http://schemas.microsoft.com/office/mac/drawingml/2011/main" val="1"/>
+                <ma14:wrappingTextBoxFlag xmlns:ma14="http://schemas.microsoft.com/office/mac/drawingml/2011/main" xmlns="" val="1"/>
               </a:ext>
             </a:extLst>
           </p:spPr>
@@ -21260,7 +21260,7 @@
             <a:effectLst/>
             <a:extLst>
               <a:ext uri="{C572A759-6A51-4108-AA02-DFA0A04FC94B}">
-                <ma14:wrappingTextBoxFlag xmlns="" xmlns:ma14="http://schemas.microsoft.com/office/mac/drawingml/2011/main" val="1"/>
+                <ma14:wrappingTextBoxFlag xmlns:ma14="http://schemas.microsoft.com/office/mac/drawingml/2011/main" xmlns="" val="1"/>
               </a:ext>
             </a:extLst>
           </p:spPr>
@@ -21316,7 +21316,7 @@
           </a:ln>
           <a:extLst>
             <a:ext uri="{C572A759-6A51-4108-AA02-DFA0A04FC94B}">
-              <ma14:wrappingTextBoxFlag xmlns="" xmlns:ma14="http://schemas.microsoft.com/office/mac/drawingml/2011/main" val="1"/>
+              <ma14:wrappingTextBoxFlag xmlns:ma14="http://schemas.microsoft.com/office/mac/drawingml/2011/main" xmlns="" val="1"/>
             </a:ext>
           </a:extLst>
         </p:spPr>
@@ -21369,7 +21369,7 @@
           </a:ln>
           <a:extLst>
             <a:ext uri="{C572A759-6A51-4108-AA02-DFA0A04FC94B}">
-              <ma14:wrappingTextBoxFlag xmlns="" xmlns:ma14="http://schemas.microsoft.com/office/mac/drawingml/2011/main" val="1"/>
+              <ma14:wrappingTextBoxFlag xmlns:ma14="http://schemas.microsoft.com/office/mac/drawingml/2011/main" xmlns="" val="1"/>
             </a:ext>
           </a:extLst>
         </p:spPr>
@@ -23383,7 +23383,7 @@
           <a:p>
             <a:pPr lvl="1"/>
             <a:r>
-              <a:rPr lang="en-US" sz="2000" dirty="0">
+              <a:rPr lang="en-US" sz="2000">
                 <a:solidFill>
                   <a:srgbClr val="0000FF"/>
                 </a:solidFill>
@@ -23391,7 +23391,26 @@
                 <a:ea typeface="Arial" charset="0"/>
                 <a:cs typeface="Arial" charset="0"/>
               </a:rPr>
-              <a:t>N‘</a:t>
+              <a:t>N</a:t>
+            </a:r>
+            <a:r>
+              <a:rPr lang="en-US" altLang="zh-CN" sz="2000">
+                <a:solidFill>
+                  <a:srgbClr val="0000FF"/>
+                </a:solidFill>
+                <a:latin typeface="Arial" charset="0"/>
+                <a:ea typeface="Arial" charset="0"/>
+                <a:cs typeface="Arial" charset="0"/>
+              </a:rPr>
+              <a:t>’</a:t>
+            </a:r>
+            <a:r>
+              <a:rPr lang="en-US" sz="2000">
+                <a:latin typeface="Arial" charset="0"/>
+                <a:ea typeface="Arial" charset="0"/>
+                <a:cs typeface="Arial" charset="0"/>
+              </a:rPr>
+              <a:t>: </a:t>
             </a:r>
             <a:r>
               <a:rPr lang="en-US" sz="2000" dirty="0">
@@ -23399,7 +23418,7 @@
                 <a:ea typeface="Arial" charset="0"/>
                 <a:cs typeface="Arial" charset="0"/>
               </a:rPr>
-              <a:t>: set of nodes whose least-cost path </a:t>
+              <a:t>set of nodes whose least-cost path </a:t>
             </a:r>
             <a:r>
               <a:rPr lang="en-US" altLang="zh-CN" sz="2000" dirty="0">
@@ -24443,7 +24462,7 @@
           </a:ln>
           <a:extLst>
             <a:ext uri="{909E8E84-426E-40dd-AFC4-6F175D3DCCD1}">
-              <a14:hiddenFill xmlns:a14="http://schemas.microsoft.com/office/drawing/2010/main" xmlns="">
+              <a14:hiddenFill xmlns="" xmlns:a14="http://schemas.microsoft.com/office/drawing/2010/main">
                 <a:solidFill>
                   <a:srgbClr val="FFFFFF"/>
                 </a:solidFill>
@@ -24525,14 +24544,14 @@
             </a:ln>
             <a:extLst>
               <a:ext uri="{909E8E84-426E-40dd-AFC4-6F175D3DCCD1}">
-                <a14:hiddenFill xmlns:a14="http://schemas.microsoft.com/office/drawing/2010/main" xmlns="">
+                <a14:hiddenFill xmlns="" xmlns:a14="http://schemas.microsoft.com/office/drawing/2010/main">
                   <a:solidFill>
                     <a:srgbClr val="FFFFFF"/>
                   </a:solidFill>
                 </a14:hiddenFill>
               </a:ext>
               <a:ext uri="{91240B29-F687-4f45-9708-019B960494DF}">
-                <a14:hiddenLine xmlns:a14="http://schemas.microsoft.com/office/drawing/2010/main" xmlns="" w="9525">
+                <a14:hiddenLine xmlns="" xmlns:a14="http://schemas.microsoft.com/office/drawing/2010/main" w="9525">
                   <a:solidFill>
                     <a:srgbClr val="000000"/>
                   </a:solidFill>
@@ -24699,14 +24718,14 @@
             </a:ln>
             <a:extLst>
               <a:ext uri="{909E8E84-426E-40dd-AFC4-6F175D3DCCD1}">
-                <a14:hiddenFill xmlns:a14="http://schemas.microsoft.com/office/drawing/2010/main" xmlns="">
+                <a14:hiddenFill xmlns="" xmlns:a14="http://schemas.microsoft.com/office/drawing/2010/main">
                   <a:solidFill>
                     <a:srgbClr val="FFFFFF"/>
                   </a:solidFill>
                 </a14:hiddenFill>
               </a:ext>
               <a:ext uri="{91240B29-F687-4f45-9708-019B960494DF}">
-                <a14:hiddenLine xmlns:a14="http://schemas.microsoft.com/office/drawing/2010/main" xmlns="" w="9525">
+                <a14:hiddenLine xmlns="" xmlns:a14="http://schemas.microsoft.com/office/drawing/2010/main" w="9525">
                   <a:solidFill>
                     <a:srgbClr val="000000"/>
                   </a:solidFill>
@@ -24878,7 +24897,7 @@
             </a:ln>
             <a:extLst>
               <a:ext uri="{909E8E84-426E-40dd-AFC4-6F175D3DCCD1}">
-                <a14:hiddenFill xmlns:a14="http://schemas.microsoft.com/office/drawing/2010/main" xmlns="">
+                <a14:hiddenFill xmlns="" xmlns:a14="http://schemas.microsoft.com/office/drawing/2010/main">
                   <a:noFill/>
                 </a14:hiddenFill>
               </a:ext>
@@ -24922,7 +24941,7 @@
             </a:ln>
             <a:extLst>
               <a:ext uri="{909E8E84-426E-40dd-AFC4-6F175D3DCCD1}">
-                <a14:hiddenFill xmlns:a14="http://schemas.microsoft.com/office/drawing/2010/main" xmlns="">
+                <a14:hiddenFill xmlns="" xmlns:a14="http://schemas.microsoft.com/office/drawing/2010/main">
                   <a:noFill/>
                 </a14:hiddenFill>
               </a:ext>
@@ -24966,7 +24985,7 @@
             </a:ln>
             <a:extLst>
               <a:ext uri="{909E8E84-426E-40dd-AFC4-6F175D3DCCD1}">
-                <a14:hiddenFill xmlns:a14="http://schemas.microsoft.com/office/drawing/2010/main" xmlns="">
+                <a14:hiddenFill xmlns="" xmlns:a14="http://schemas.microsoft.com/office/drawing/2010/main">
                   <a:noFill/>
                 </a14:hiddenFill>
               </a:ext>
@@ -25010,7 +25029,7 @@
             </a:ln>
             <a:extLst>
               <a:ext uri="{909E8E84-426E-40dd-AFC4-6F175D3DCCD1}">
-                <a14:hiddenFill xmlns:a14="http://schemas.microsoft.com/office/drawing/2010/main" xmlns="">
+                <a14:hiddenFill xmlns="" xmlns:a14="http://schemas.microsoft.com/office/drawing/2010/main">
                   <a:noFill/>
                 </a14:hiddenFill>
               </a:ext>
@@ -25049,14 +25068,14 @@
             </a:ln>
             <a:extLst>
               <a:ext uri="{909E8E84-426E-40dd-AFC4-6F175D3DCCD1}">
-                <a14:hiddenFill xmlns:a14="http://schemas.microsoft.com/office/drawing/2010/main" xmlns="">
+                <a14:hiddenFill xmlns="" xmlns:a14="http://schemas.microsoft.com/office/drawing/2010/main">
                   <a:solidFill>
                     <a:srgbClr val="FFFFFF"/>
                   </a:solidFill>
                 </a14:hiddenFill>
               </a:ext>
               <a:ext uri="{91240B29-F687-4f45-9708-019B960494DF}">
-                <a14:hiddenLine xmlns:a14="http://schemas.microsoft.com/office/drawing/2010/main" xmlns="" w="9525">
+                <a14:hiddenLine xmlns="" xmlns:a14="http://schemas.microsoft.com/office/drawing/2010/main" w="9525">
                   <a:solidFill>
                     <a:srgbClr val="000000"/>
                   </a:solidFill>
@@ -25228,7 +25247,7 @@
             </a:ln>
             <a:extLst>
               <a:ext uri="{909E8E84-426E-40dd-AFC4-6F175D3DCCD1}">
-                <a14:hiddenFill xmlns:a14="http://schemas.microsoft.com/office/drawing/2010/main" xmlns="">
+                <a14:hiddenFill xmlns="" xmlns:a14="http://schemas.microsoft.com/office/drawing/2010/main">
                   <a:noFill/>
                 </a14:hiddenFill>
               </a:ext>
@@ -25267,14 +25286,14 @@
             </a:ln>
             <a:extLst>
               <a:ext uri="{909E8E84-426E-40dd-AFC4-6F175D3DCCD1}">
-                <a14:hiddenFill xmlns:a14="http://schemas.microsoft.com/office/drawing/2010/main" xmlns="">
+                <a14:hiddenFill xmlns="" xmlns:a14="http://schemas.microsoft.com/office/drawing/2010/main">
                   <a:solidFill>
                     <a:srgbClr val="FFFFFF"/>
                   </a:solidFill>
                 </a14:hiddenFill>
               </a:ext>
               <a:ext uri="{91240B29-F687-4f45-9708-019B960494DF}">
-                <a14:hiddenLine xmlns:a14="http://schemas.microsoft.com/office/drawing/2010/main" xmlns="" w="9525">
+                <a14:hiddenLine xmlns="" xmlns:a14="http://schemas.microsoft.com/office/drawing/2010/main" w="9525">
                   <a:solidFill>
                     <a:srgbClr val="000000"/>
                   </a:solidFill>
@@ -25521,7 +25540,7 @@
             </a:ln>
             <a:extLst>
               <a:ext uri="{909E8E84-426E-40dd-AFC4-6F175D3DCCD1}">
-                <a14:hiddenFill xmlns:a14="http://schemas.microsoft.com/office/drawing/2010/main" xmlns="">
+                <a14:hiddenFill xmlns="" xmlns:a14="http://schemas.microsoft.com/office/drawing/2010/main">
                   <a:solidFill>
                     <a:srgbClr val="FFFFFF"/>
                   </a:solidFill>
@@ -25562,14 +25581,14 @@
             </a:ln>
             <a:extLst>
               <a:ext uri="{909E8E84-426E-40dd-AFC4-6F175D3DCCD1}">
-                <a14:hiddenFill xmlns:a14="http://schemas.microsoft.com/office/drawing/2010/main" xmlns="">
+                <a14:hiddenFill xmlns="" xmlns:a14="http://schemas.microsoft.com/office/drawing/2010/main">
                   <a:solidFill>
                     <a:srgbClr val="FFFFFF"/>
                   </a:solidFill>
                 </a14:hiddenFill>
               </a:ext>
               <a:ext uri="{91240B29-F687-4f45-9708-019B960494DF}">
-                <a14:hiddenLine xmlns:a14="http://schemas.microsoft.com/office/drawing/2010/main" xmlns="" w="9525">
+                <a14:hiddenLine xmlns="" xmlns:a14="http://schemas.microsoft.com/office/drawing/2010/main" w="9525">
                   <a:solidFill>
                     <a:srgbClr val="000000"/>
                   </a:solidFill>
@@ -25741,7 +25760,7 @@
             </a:ln>
             <a:extLst>
               <a:ext uri="{909E8E84-426E-40dd-AFC4-6F175D3DCCD1}">
-                <a14:hiddenFill xmlns:a14="http://schemas.microsoft.com/office/drawing/2010/main" xmlns="">
+                <a14:hiddenFill xmlns="" xmlns:a14="http://schemas.microsoft.com/office/drawing/2010/main">
                   <a:noFill/>
                 </a14:hiddenFill>
               </a:ext>
@@ -25780,14 +25799,14 @@
             </a:ln>
             <a:extLst>
               <a:ext uri="{909E8E84-426E-40dd-AFC4-6F175D3DCCD1}">
-                <a14:hiddenFill xmlns:a14="http://schemas.microsoft.com/office/drawing/2010/main" xmlns="">
+                <a14:hiddenFill xmlns="" xmlns:a14="http://schemas.microsoft.com/office/drawing/2010/main">
                   <a:solidFill>
                     <a:srgbClr val="FFFFFF"/>
                   </a:solidFill>
                 </a14:hiddenFill>
               </a:ext>
               <a:ext uri="{91240B29-F687-4f45-9708-019B960494DF}">
-                <a14:hiddenLine xmlns:a14="http://schemas.microsoft.com/office/drawing/2010/main" xmlns="" w="9525">
+                <a14:hiddenLine xmlns="" xmlns:a14="http://schemas.microsoft.com/office/drawing/2010/main" w="9525">
                   <a:solidFill>
                     <a:srgbClr val="000000"/>
                   </a:solidFill>
@@ -25954,14 +25973,14 @@
             </a:ln>
             <a:extLst>
               <a:ext uri="{909E8E84-426E-40dd-AFC4-6F175D3DCCD1}">
-                <a14:hiddenFill xmlns:a14="http://schemas.microsoft.com/office/drawing/2010/main" xmlns="">
+                <a14:hiddenFill xmlns="" xmlns:a14="http://schemas.microsoft.com/office/drawing/2010/main">
                   <a:solidFill>
                     <a:srgbClr val="FFFFFF"/>
                   </a:solidFill>
                 </a14:hiddenFill>
               </a:ext>
               <a:ext uri="{91240B29-F687-4f45-9708-019B960494DF}">
-                <a14:hiddenLine xmlns:a14="http://schemas.microsoft.com/office/drawing/2010/main" xmlns="" w="9525">
+                <a14:hiddenLine xmlns="" xmlns:a14="http://schemas.microsoft.com/office/drawing/2010/main" w="9525">
                   <a:solidFill>
                     <a:srgbClr val="000000"/>
                   </a:solidFill>
@@ -26133,7 +26152,7 @@
             </a:ln>
             <a:extLst>
               <a:ext uri="{909E8E84-426E-40dd-AFC4-6F175D3DCCD1}">
-                <a14:hiddenFill xmlns:a14="http://schemas.microsoft.com/office/drawing/2010/main" xmlns="">
+                <a14:hiddenFill xmlns="" xmlns:a14="http://schemas.microsoft.com/office/drawing/2010/main">
                   <a:noFill/>
                 </a14:hiddenFill>
               </a:ext>
@@ -26172,14 +26191,14 @@
             </a:ln>
             <a:extLst>
               <a:ext uri="{909E8E84-426E-40dd-AFC4-6F175D3DCCD1}">
-                <a14:hiddenFill xmlns:a14="http://schemas.microsoft.com/office/drawing/2010/main" xmlns="">
+                <a14:hiddenFill xmlns="" xmlns:a14="http://schemas.microsoft.com/office/drawing/2010/main">
                   <a:solidFill>
                     <a:srgbClr val="FFFFFF"/>
                   </a:solidFill>
                 </a14:hiddenFill>
               </a:ext>
               <a:ext uri="{91240B29-F687-4f45-9708-019B960494DF}">
-                <a14:hiddenLine xmlns:a14="http://schemas.microsoft.com/office/drawing/2010/main" xmlns="" w="9525">
+                <a14:hiddenLine xmlns="" xmlns:a14="http://schemas.microsoft.com/office/drawing/2010/main" w="9525">
                   <a:solidFill>
                     <a:srgbClr val="000000"/>
                   </a:solidFill>
@@ -26351,7 +26370,7 @@
             </a:ln>
             <a:extLst>
               <a:ext uri="{909E8E84-426E-40dd-AFC4-6F175D3DCCD1}">
-                <a14:hiddenFill xmlns:a14="http://schemas.microsoft.com/office/drawing/2010/main" xmlns="">
+                <a14:hiddenFill xmlns="" xmlns:a14="http://schemas.microsoft.com/office/drawing/2010/main">
                   <a:noFill/>
                 </a14:hiddenFill>
               </a:ext>
@@ -26390,14 +26409,14 @@
             </a:ln>
             <a:extLst>
               <a:ext uri="{909E8E84-426E-40dd-AFC4-6F175D3DCCD1}">
-                <a14:hiddenFill xmlns:a14="http://schemas.microsoft.com/office/drawing/2010/main" xmlns="">
+                <a14:hiddenFill xmlns="" xmlns:a14="http://schemas.microsoft.com/office/drawing/2010/main">
                   <a:solidFill>
                     <a:srgbClr val="FFFFFF"/>
                   </a:solidFill>
                 </a14:hiddenFill>
               </a:ext>
               <a:ext uri="{91240B29-F687-4f45-9708-019B960494DF}">
-                <a14:hiddenLine xmlns:a14="http://schemas.microsoft.com/office/drawing/2010/main" xmlns="" w="9525">
+                <a14:hiddenLine xmlns="" xmlns:a14="http://schemas.microsoft.com/office/drawing/2010/main" w="9525">
                   <a:solidFill>
                     <a:srgbClr val="000000"/>
                   </a:solidFill>
@@ -26699,7 +26718,7 @@
             </a:ln>
             <a:extLst>
               <a:ext uri="{909E8E84-426E-40dd-AFC4-6F175D3DCCD1}">
-                <a14:hiddenFill xmlns:a14="http://schemas.microsoft.com/office/drawing/2010/main" xmlns="">
+                <a14:hiddenFill xmlns="" xmlns:a14="http://schemas.microsoft.com/office/drawing/2010/main">
                   <a:solidFill>
                     <a:srgbClr val="FFFFFF"/>
                   </a:solidFill>
@@ -26740,14 +26759,14 @@
             </a:ln>
             <a:extLst>
               <a:ext uri="{909E8E84-426E-40dd-AFC4-6F175D3DCCD1}">
-                <a14:hiddenFill xmlns:a14="http://schemas.microsoft.com/office/drawing/2010/main" xmlns="">
+                <a14:hiddenFill xmlns="" xmlns:a14="http://schemas.microsoft.com/office/drawing/2010/main">
                   <a:solidFill>
                     <a:srgbClr val="FFFFFF"/>
                   </a:solidFill>
                 </a14:hiddenFill>
               </a:ext>
               <a:ext uri="{91240B29-F687-4f45-9708-019B960494DF}">
-                <a14:hiddenLine xmlns:a14="http://schemas.microsoft.com/office/drawing/2010/main" xmlns="" w="9525">
+                <a14:hiddenLine xmlns="" xmlns:a14="http://schemas.microsoft.com/office/drawing/2010/main" w="9525">
                   <a:solidFill>
                     <a:srgbClr val="000000"/>
                   </a:solidFill>
@@ -27327,7 +27346,7 @@
             </a:ln>
             <a:extLst>
               <a:ext uri="{909E8E84-426E-40dd-AFC4-6F175D3DCCD1}">
-                <a14:hiddenFill xmlns:a14="http://schemas.microsoft.com/office/drawing/2010/main" xmlns="">
+                <a14:hiddenFill xmlns="" xmlns:a14="http://schemas.microsoft.com/office/drawing/2010/main">
                   <a:noFill/>
                 </a14:hiddenFill>
               </a:ext>
@@ -27367,14 +27386,14 @@
           </a:ln>
           <a:extLst>
             <a:ext uri="{909E8E84-426E-40dd-AFC4-6F175D3DCCD1}">
-              <a14:hiddenFill xmlns:a14="http://schemas.microsoft.com/office/drawing/2010/main" xmlns="">
+              <a14:hiddenFill xmlns="" xmlns:a14="http://schemas.microsoft.com/office/drawing/2010/main">
                 <a:solidFill>
                   <a:srgbClr val="FFFFFF"/>
                 </a:solidFill>
               </a14:hiddenFill>
             </a:ext>
             <a:ext uri="{91240B29-F687-4f45-9708-019B960494DF}">
-              <a14:hiddenLine xmlns:a14="http://schemas.microsoft.com/office/drawing/2010/main" xmlns="" w="9525">
+              <a14:hiddenLine xmlns="" xmlns:a14="http://schemas.microsoft.com/office/drawing/2010/main" w="9525">
                 <a:solidFill>
                   <a:srgbClr val="000000"/>
                 </a:solidFill>
@@ -27544,14 +27563,14 @@
           </a:ln>
           <a:extLst>
             <a:ext uri="{909E8E84-426E-40dd-AFC4-6F175D3DCCD1}">
-              <a14:hiddenFill xmlns:a14="http://schemas.microsoft.com/office/drawing/2010/main" xmlns="">
+              <a14:hiddenFill xmlns="" xmlns:a14="http://schemas.microsoft.com/office/drawing/2010/main">
                 <a:solidFill>
                   <a:srgbClr val="FFFFFF"/>
                 </a:solidFill>
               </a14:hiddenFill>
             </a:ext>
             <a:ext uri="{91240B29-F687-4f45-9708-019B960494DF}">
-              <a14:hiddenLine xmlns:a14="http://schemas.microsoft.com/office/drawing/2010/main" xmlns="" w="9525">
+              <a14:hiddenLine xmlns="" xmlns:a14="http://schemas.microsoft.com/office/drawing/2010/main" w="9525">
                 <a:solidFill>
                   <a:srgbClr val="000000"/>
                 </a:solidFill>
@@ -27711,14 +27730,14 @@
           </a:ln>
           <a:extLst>
             <a:ext uri="{909E8E84-426E-40dd-AFC4-6F175D3DCCD1}">
-              <a14:hiddenFill xmlns:a14="http://schemas.microsoft.com/office/drawing/2010/main" xmlns="">
+              <a14:hiddenFill xmlns="" xmlns:a14="http://schemas.microsoft.com/office/drawing/2010/main">
                 <a:solidFill>
                   <a:srgbClr val="FFFFFF"/>
                 </a:solidFill>
               </a14:hiddenFill>
             </a:ext>
             <a:ext uri="{91240B29-F687-4f45-9708-019B960494DF}">
-              <a14:hiddenLine xmlns:a14="http://schemas.microsoft.com/office/drawing/2010/main" xmlns="" w="9525">
+              <a14:hiddenLine xmlns="" xmlns:a14="http://schemas.microsoft.com/office/drawing/2010/main" w="9525">
                 <a:solidFill>
                   <a:srgbClr val="000000"/>
                 </a:solidFill>
@@ -27911,14 +27930,14 @@
           </a:ln>
           <a:extLst>
             <a:ext uri="{909E8E84-426E-40dd-AFC4-6F175D3DCCD1}">
-              <a14:hiddenFill xmlns:a14="http://schemas.microsoft.com/office/drawing/2010/main" xmlns="">
+              <a14:hiddenFill xmlns="" xmlns:a14="http://schemas.microsoft.com/office/drawing/2010/main">
                 <a:solidFill>
                   <a:srgbClr val="FFFFFF"/>
                 </a:solidFill>
               </a14:hiddenFill>
             </a:ext>
             <a:ext uri="{91240B29-F687-4f45-9708-019B960494DF}">
-              <a14:hiddenLine xmlns:a14="http://schemas.microsoft.com/office/drawing/2010/main" xmlns="" w="9525">
+              <a14:hiddenLine xmlns="" xmlns:a14="http://schemas.microsoft.com/office/drawing/2010/main" w="9525">
                 <a:solidFill>
                   <a:srgbClr val="000000"/>
                 </a:solidFill>
@@ -28078,14 +28097,14 @@
           </a:ln>
           <a:extLst>
             <a:ext uri="{909E8E84-426E-40dd-AFC4-6F175D3DCCD1}">
-              <a14:hiddenFill xmlns:a14="http://schemas.microsoft.com/office/drawing/2010/main" xmlns="">
+              <a14:hiddenFill xmlns="" xmlns:a14="http://schemas.microsoft.com/office/drawing/2010/main">
                 <a:solidFill>
                   <a:srgbClr val="FFFFFF"/>
                 </a:solidFill>
               </a14:hiddenFill>
             </a:ext>
             <a:ext uri="{91240B29-F687-4f45-9708-019B960494DF}">
-              <a14:hiddenLine xmlns:a14="http://schemas.microsoft.com/office/drawing/2010/main" xmlns="" w="9525">
+              <a14:hiddenLine xmlns="" xmlns:a14="http://schemas.microsoft.com/office/drawing/2010/main" w="9525">
                 <a:solidFill>
                   <a:srgbClr val="000000"/>
                 </a:solidFill>
@@ -28245,14 +28264,14 @@
           </a:ln>
           <a:extLst>
             <a:ext uri="{909E8E84-426E-40dd-AFC4-6F175D3DCCD1}">
-              <a14:hiddenFill xmlns:a14="http://schemas.microsoft.com/office/drawing/2010/main" xmlns="">
+              <a14:hiddenFill xmlns="" xmlns:a14="http://schemas.microsoft.com/office/drawing/2010/main">
                 <a:solidFill>
                   <a:srgbClr val="FFFFFF"/>
                 </a:solidFill>
               </a14:hiddenFill>
             </a:ext>
             <a:ext uri="{91240B29-F687-4f45-9708-019B960494DF}">
-              <a14:hiddenLine xmlns:a14="http://schemas.microsoft.com/office/drawing/2010/main" xmlns="" w="9525">
+              <a14:hiddenLine xmlns="" xmlns:a14="http://schemas.microsoft.com/office/drawing/2010/main" w="9525">
                 <a:solidFill>
                   <a:srgbClr val="000000"/>
                 </a:solidFill>
@@ -28412,14 +28431,14 @@
           </a:ln>
           <a:extLst>
             <a:ext uri="{909E8E84-426E-40dd-AFC4-6F175D3DCCD1}">
-              <a14:hiddenFill xmlns:a14="http://schemas.microsoft.com/office/drawing/2010/main" xmlns="">
+              <a14:hiddenFill xmlns="" xmlns:a14="http://schemas.microsoft.com/office/drawing/2010/main">
                 <a:solidFill>
                   <a:srgbClr val="FFFFFF"/>
                 </a:solidFill>
               </a14:hiddenFill>
             </a:ext>
             <a:ext uri="{91240B29-F687-4f45-9708-019B960494DF}">
-              <a14:hiddenLine xmlns:a14="http://schemas.microsoft.com/office/drawing/2010/main" xmlns="" w="9525">
+              <a14:hiddenLine xmlns="" xmlns:a14="http://schemas.microsoft.com/office/drawing/2010/main" w="9525">
                 <a:solidFill>
                   <a:srgbClr val="000000"/>
                 </a:solidFill>
@@ -28579,14 +28598,14 @@
           </a:ln>
           <a:extLst>
             <a:ext uri="{909E8E84-426E-40dd-AFC4-6F175D3DCCD1}">
-              <a14:hiddenFill xmlns:a14="http://schemas.microsoft.com/office/drawing/2010/main" xmlns="">
+              <a14:hiddenFill xmlns="" xmlns:a14="http://schemas.microsoft.com/office/drawing/2010/main">
                 <a:solidFill>
                   <a:srgbClr val="FFFFFF"/>
                 </a:solidFill>
               </a14:hiddenFill>
             </a:ext>
             <a:ext uri="{91240B29-F687-4f45-9708-019B960494DF}">
-              <a14:hiddenLine xmlns:a14="http://schemas.microsoft.com/office/drawing/2010/main" xmlns="" w="9525">
+              <a14:hiddenLine xmlns="" xmlns:a14="http://schemas.microsoft.com/office/drawing/2010/main" w="9525">
                 <a:solidFill>
                   <a:srgbClr val="000000"/>
                 </a:solidFill>
@@ -28746,14 +28765,14 @@
           </a:ln>
           <a:extLst>
             <a:ext uri="{909E8E84-426E-40dd-AFC4-6F175D3DCCD1}">
-              <a14:hiddenFill xmlns:a14="http://schemas.microsoft.com/office/drawing/2010/main" xmlns="">
+              <a14:hiddenFill xmlns="" xmlns:a14="http://schemas.microsoft.com/office/drawing/2010/main">
                 <a:solidFill>
                   <a:srgbClr val="FFFFFF"/>
                 </a:solidFill>
               </a14:hiddenFill>
             </a:ext>
             <a:ext uri="{91240B29-F687-4f45-9708-019B960494DF}">
-              <a14:hiddenLine xmlns:a14="http://schemas.microsoft.com/office/drawing/2010/main" xmlns="" w="9525">
+              <a14:hiddenLine xmlns="" xmlns:a14="http://schemas.microsoft.com/office/drawing/2010/main" w="9525">
                 <a:solidFill>
                   <a:srgbClr val="000000"/>
                 </a:solidFill>
@@ -28913,14 +28932,14 @@
           </a:ln>
           <a:extLst>
             <a:ext uri="{909E8E84-426E-40dd-AFC4-6F175D3DCCD1}">
-              <a14:hiddenFill xmlns:a14="http://schemas.microsoft.com/office/drawing/2010/main" xmlns="">
+              <a14:hiddenFill xmlns="" xmlns:a14="http://schemas.microsoft.com/office/drawing/2010/main">
                 <a:solidFill>
                   <a:srgbClr val="FFFFFF"/>
                 </a:solidFill>
               </a14:hiddenFill>
             </a:ext>
             <a:ext uri="{91240B29-F687-4f45-9708-019B960494DF}">
-              <a14:hiddenLine xmlns:a14="http://schemas.microsoft.com/office/drawing/2010/main" xmlns="" w="9525">
+              <a14:hiddenLine xmlns="" xmlns:a14="http://schemas.microsoft.com/office/drawing/2010/main" w="9525">
                 <a:solidFill>
                   <a:srgbClr val="000000"/>
                 </a:solidFill>
@@ -29113,14 +29132,14 @@
           </a:ln>
           <a:extLst>
             <a:ext uri="{909E8E84-426E-40dd-AFC4-6F175D3DCCD1}">
-              <a14:hiddenFill xmlns:a14="http://schemas.microsoft.com/office/drawing/2010/main" xmlns="">
+              <a14:hiddenFill xmlns="" xmlns:a14="http://schemas.microsoft.com/office/drawing/2010/main">
                 <a:solidFill>
                   <a:srgbClr val="FFFFFF"/>
                 </a:solidFill>
               </a14:hiddenFill>
             </a:ext>
             <a:ext uri="{91240B29-F687-4f45-9708-019B960494DF}">
-              <a14:hiddenLine xmlns:a14="http://schemas.microsoft.com/office/drawing/2010/main" xmlns="" w="9525">
+              <a14:hiddenLine xmlns="" xmlns:a14="http://schemas.microsoft.com/office/drawing/2010/main" w="9525">
                 <a:solidFill>
                   <a:srgbClr val="000000"/>
                 </a:solidFill>
@@ -29313,14 +29332,14 @@
           </a:ln>
           <a:extLst>
             <a:ext uri="{909E8E84-426E-40dd-AFC4-6F175D3DCCD1}">
-              <a14:hiddenFill xmlns:a14="http://schemas.microsoft.com/office/drawing/2010/main" xmlns="">
+              <a14:hiddenFill xmlns="" xmlns:a14="http://schemas.microsoft.com/office/drawing/2010/main">
                 <a:solidFill>
                   <a:srgbClr val="FFFFFF"/>
                 </a:solidFill>
               </a14:hiddenFill>
             </a:ext>
             <a:ext uri="{91240B29-F687-4f45-9708-019B960494DF}">
-              <a14:hiddenLine xmlns:a14="http://schemas.microsoft.com/office/drawing/2010/main" xmlns="" w="9525">
+              <a14:hiddenLine xmlns="" xmlns:a14="http://schemas.microsoft.com/office/drawing/2010/main" w="9525">
                 <a:solidFill>
                   <a:srgbClr val="000000"/>
                 </a:solidFill>
@@ -29513,14 +29532,14 @@
           </a:ln>
           <a:extLst>
             <a:ext uri="{909E8E84-426E-40dd-AFC4-6F175D3DCCD1}">
-              <a14:hiddenFill xmlns:a14="http://schemas.microsoft.com/office/drawing/2010/main" xmlns="">
+              <a14:hiddenFill xmlns="" xmlns:a14="http://schemas.microsoft.com/office/drawing/2010/main">
                 <a:solidFill>
                   <a:srgbClr val="FFFFFF"/>
                 </a:solidFill>
               </a14:hiddenFill>
             </a:ext>
             <a:ext uri="{91240B29-F687-4f45-9708-019B960494DF}">
-              <a14:hiddenLine xmlns:a14="http://schemas.microsoft.com/office/drawing/2010/main" xmlns="" w="9525">
+              <a14:hiddenLine xmlns="" xmlns:a14="http://schemas.microsoft.com/office/drawing/2010/main" w="9525">
                 <a:solidFill>
                   <a:srgbClr val="000000"/>
                 </a:solidFill>
@@ -29718,7 +29737,7 @@
           </a:ln>
           <a:extLst>
             <a:ext uri="{909E8E84-426E-40dd-AFC4-6F175D3DCCD1}">
-              <a14:hiddenFill xmlns:a14="http://schemas.microsoft.com/office/drawing/2010/main" xmlns="">
+              <a14:hiddenFill xmlns="" xmlns:a14="http://schemas.microsoft.com/office/drawing/2010/main">
                 <a:noFill/>
               </a14:hiddenFill>
             </a:ext>
@@ -29765,7 +29784,7 @@
           </a:ln>
           <a:extLst>
             <a:ext uri="{909E8E84-426E-40dd-AFC4-6F175D3DCCD1}">
-              <a14:hiddenFill xmlns:a14="http://schemas.microsoft.com/office/drawing/2010/main" xmlns="">
+              <a14:hiddenFill xmlns="" xmlns:a14="http://schemas.microsoft.com/office/drawing/2010/main">
                 <a:noFill/>
               </a14:hiddenFill>
             </a:ext>
@@ -29807,14 +29826,14 @@
           </a:ln>
           <a:extLst>
             <a:ext uri="{909E8E84-426E-40dd-AFC4-6F175D3DCCD1}">
-              <a14:hiddenFill xmlns:a14="http://schemas.microsoft.com/office/drawing/2010/main" xmlns="">
+              <a14:hiddenFill xmlns="" xmlns:a14="http://schemas.microsoft.com/office/drawing/2010/main">
                 <a:solidFill>
                   <a:srgbClr val="FFFFFF"/>
                 </a:solidFill>
               </a14:hiddenFill>
             </a:ext>
             <a:ext uri="{91240B29-F687-4f45-9708-019B960494DF}">
-              <a14:hiddenLine xmlns:a14="http://schemas.microsoft.com/office/drawing/2010/main" xmlns="" w="9525">
+              <a14:hiddenLine xmlns="" xmlns:a14="http://schemas.microsoft.com/office/drawing/2010/main" w="9525">
                 <a:solidFill>
                   <a:srgbClr val="000000"/>
                 </a:solidFill>
@@ -29979,7 +29998,7 @@
           </a:ln>
           <a:extLst>
             <a:ext uri="{909E8E84-426E-40dd-AFC4-6F175D3DCCD1}">
-              <a14:hiddenFill xmlns:a14="http://schemas.microsoft.com/office/drawing/2010/main" xmlns="">
+              <a14:hiddenFill xmlns="" xmlns:a14="http://schemas.microsoft.com/office/drawing/2010/main">
                 <a:noFill/>
               </a14:hiddenFill>
             </a:ext>
@@ -30026,7 +30045,7 @@
           </a:ln>
           <a:extLst>
             <a:ext uri="{909E8E84-426E-40dd-AFC4-6F175D3DCCD1}">
-              <a14:hiddenFill xmlns:a14="http://schemas.microsoft.com/office/drawing/2010/main" xmlns="">
+              <a14:hiddenFill xmlns="" xmlns:a14="http://schemas.microsoft.com/office/drawing/2010/main">
                 <a:noFill/>
               </a14:hiddenFill>
             </a:ext>
@@ -30073,7 +30092,7 @@
           </a:ln>
           <a:extLst>
             <a:ext uri="{909E8E84-426E-40dd-AFC4-6F175D3DCCD1}">
-              <a14:hiddenFill xmlns:a14="http://schemas.microsoft.com/office/drawing/2010/main" xmlns="">
+              <a14:hiddenFill xmlns="" xmlns:a14="http://schemas.microsoft.com/office/drawing/2010/main">
                 <a:noFill/>
               </a14:hiddenFill>
             </a:ext>
@@ -30120,7 +30139,7 @@
           </a:ln>
           <a:extLst>
             <a:ext uri="{909E8E84-426E-40dd-AFC4-6F175D3DCCD1}">
-              <a14:hiddenFill xmlns:a14="http://schemas.microsoft.com/office/drawing/2010/main" xmlns="">
+              <a14:hiddenFill xmlns="" xmlns:a14="http://schemas.microsoft.com/office/drawing/2010/main">
                 <a:noFill/>
               </a14:hiddenFill>
             </a:ext>
@@ -30167,7 +30186,7 @@
           </a:ln>
           <a:extLst>
             <a:ext uri="{909E8E84-426E-40dd-AFC4-6F175D3DCCD1}">
-              <a14:hiddenFill xmlns:a14="http://schemas.microsoft.com/office/drawing/2010/main" xmlns="">
+              <a14:hiddenFill xmlns="" xmlns:a14="http://schemas.microsoft.com/office/drawing/2010/main">
                 <a:noFill/>
               </a14:hiddenFill>
             </a:ext>
@@ -30225,14 +30244,14 @@
             </a:ln>
             <a:extLst>
               <a:ext uri="{909E8E84-426E-40dd-AFC4-6F175D3DCCD1}">
-                <a14:hiddenFill xmlns:a14="http://schemas.microsoft.com/office/drawing/2010/main" xmlns="">
+                <a14:hiddenFill xmlns="" xmlns:a14="http://schemas.microsoft.com/office/drawing/2010/main">
                   <a:solidFill>
                     <a:srgbClr val="FFFFFF"/>
                   </a:solidFill>
                 </a14:hiddenFill>
               </a:ext>
               <a:ext uri="{91240B29-F687-4f45-9708-019B960494DF}">
-                <a14:hiddenLine xmlns:a14="http://schemas.microsoft.com/office/drawing/2010/main" xmlns="" w="9525">
+                <a14:hiddenLine xmlns="" xmlns:a14="http://schemas.microsoft.com/office/drawing/2010/main" w="9525">
                   <a:solidFill>
                     <a:srgbClr val="000000"/>
                   </a:solidFill>
@@ -30399,14 +30418,14 @@
             </a:ln>
             <a:extLst>
               <a:ext uri="{909E8E84-426E-40dd-AFC4-6F175D3DCCD1}">
-                <a14:hiddenFill xmlns:a14="http://schemas.microsoft.com/office/drawing/2010/main" xmlns="">
+                <a14:hiddenFill xmlns="" xmlns:a14="http://schemas.microsoft.com/office/drawing/2010/main">
                   <a:solidFill>
                     <a:srgbClr val="FFFFFF"/>
                   </a:solidFill>
                 </a14:hiddenFill>
               </a:ext>
               <a:ext uri="{91240B29-F687-4f45-9708-019B960494DF}">
-                <a14:hiddenLine xmlns:a14="http://schemas.microsoft.com/office/drawing/2010/main" xmlns="" w="9525">
+                <a14:hiddenLine xmlns="" xmlns:a14="http://schemas.microsoft.com/office/drawing/2010/main" w="9525">
                   <a:solidFill>
                     <a:srgbClr val="000000"/>
                   </a:solidFill>
@@ -30573,14 +30592,14 @@
             </a:ln>
             <a:extLst>
               <a:ext uri="{909E8E84-426E-40dd-AFC4-6F175D3DCCD1}">
-                <a14:hiddenFill xmlns:a14="http://schemas.microsoft.com/office/drawing/2010/main" xmlns="">
+                <a14:hiddenFill xmlns="" xmlns:a14="http://schemas.microsoft.com/office/drawing/2010/main">
                   <a:solidFill>
                     <a:srgbClr val="FFFFFF"/>
                   </a:solidFill>
                 </a14:hiddenFill>
               </a:ext>
               <a:ext uri="{91240B29-F687-4f45-9708-019B960494DF}">
-                <a14:hiddenLine xmlns:a14="http://schemas.microsoft.com/office/drawing/2010/main" xmlns="" w="9525">
+                <a14:hiddenLine xmlns="" xmlns:a14="http://schemas.microsoft.com/office/drawing/2010/main" w="9525">
                   <a:solidFill>
                     <a:srgbClr val="000000"/>
                   </a:solidFill>
@@ -30740,14 +30759,14 @@
             </a:ln>
             <a:extLst>
               <a:ext uri="{909E8E84-426E-40dd-AFC4-6F175D3DCCD1}">
-                <a14:hiddenFill xmlns:a14="http://schemas.microsoft.com/office/drawing/2010/main" xmlns="">
+                <a14:hiddenFill xmlns="" xmlns:a14="http://schemas.microsoft.com/office/drawing/2010/main">
                   <a:solidFill>
                     <a:srgbClr val="FFFFFF"/>
                   </a:solidFill>
                 </a14:hiddenFill>
               </a:ext>
               <a:ext uri="{91240B29-F687-4f45-9708-019B960494DF}">
-                <a14:hiddenLine xmlns:a14="http://schemas.microsoft.com/office/drawing/2010/main" xmlns="" w="9525">
+                <a14:hiddenLine xmlns="" xmlns:a14="http://schemas.microsoft.com/office/drawing/2010/main" w="9525">
                   <a:solidFill>
                     <a:srgbClr val="000000"/>
                   </a:solidFill>
@@ -30907,14 +30926,14 @@
             </a:ln>
             <a:extLst>
               <a:ext uri="{909E8E84-426E-40dd-AFC4-6F175D3DCCD1}">
-                <a14:hiddenFill xmlns:a14="http://schemas.microsoft.com/office/drawing/2010/main" xmlns="">
+                <a14:hiddenFill xmlns="" xmlns:a14="http://schemas.microsoft.com/office/drawing/2010/main">
                   <a:solidFill>
                     <a:srgbClr val="FFFFFF"/>
                   </a:solidFill>
                 </a14:hiddenFill>
               </a:ext>
               <a:ext uri="{91240B29-F687-4f45-9708-019B960494DF}">
-                <a14:hiddenLine xmlns:a14="http://schemas.microsoft.com/office/drawing/2010/main" xmlns="" w="9525">
+                <a14:hiddenLine xmlns="" xmlns:a14="http://schemas.microsoft.com/office/drawing/2010/main" w="9525">
                   <a:solidFill>
                     <a:srgbClr val="000000"/>
                   </a:solidFill>
@@ -31075,14 +31094,14 @@
           </a:ln>
           <a:extLst>
             <a:ext uri="{909E8E84-426E-40dd-AFC4-6F175D3DCCD1}">
-              <a14:hiddenFill xmlns:a14="http://schemas.microsoft.com/office/drawing/2010/main" xmlns="">
+              <a14:hiddenFill xmlns="" xmlns:a14="http://schemas.microsoft.com/office/drawing/2010/main">
                 <a:solidFill>
                   <a:srgbClr val="FFFFFF"/>
                 </a:solidFill>
               </a14:hiddenFill>
             </a:ext>
             <a:ext uri="{91240B29-F687-4f45-9708-019B960494DF}">
-              <a14:hiddenLine xmlns:a14="http://schemas.microsoft.com/office/drawing/2010/main" xmlns="" w="9525">
+              <a14:hiddenLine xmlns="" xmlns:a14="http://schemas.microsoft.com/office/drawing/2010/main" w="9525">
                 <a:solidFill>
                   <a:srgbClr val="000000"/>
                 </a:solidFill>
@@ -31258,14 +31277,14 @@
             </a:ln>
             <a:extLst>
               <a:ext uri="{909E8E84-426E-40dd-AFC4-6F175D3DCCD1}">
-                <a14:hiddenFill xmlns:a14="http://schemas.microsoft.com/office/drawing/2010/main" xmlns="">
+                <a14:hiddenFill xmlns="" xmlns:a14="http://schemas.microsoft.com/office/drawing/2010/main">
                   <a:solidFill>
                     <a:srgbClr val="FFFFFF"/>
                   </a:solidFill>
                 </a14:hiddenFill>
               </a:ext>
               <a:ext uri="{91240B29-F687-4f45-9708-019B960494DF}">
-                <a14:hiddenLine xmlns:a14="http://schemas.microsoft.com/office/drawing/2010/main" xmlns="" w="9525">
+                <a14:hiddenLine xmlns="" xmlns:a14="http://schemas.microsoft.com/office/drawing/2010/main" w="9525">
                   <a:solidFill>
                     <a:srgbClr val="000000"/>
                   </a:solidFill>
@@ -31432,14 +31451,14 @@
             </a:ln>
             <a:extLst>
               <a:ext uri="{909E8E84-426E-40dd-AFC4-6F175D3DCCD1}">
-                <a14:hiddenFill xmlns:a14="http://schemas.microsoft.com/office/drawing/2010/main" xmlns="">
+                <a14:hiddenFill xmlns="" xmlns:a14="http://schemas.microsoft.com/office/drawing/2010/main">
                   <a:solidFill>
                     <a:srgbClr val="FFFFFF"/>
                   </a:solidFill>
                 </a14:hiddenFill>
               </a:ext>
               <a:ext uri="{91240B29-F687-4f45-9708-019B960494DF}">
-                <a14:hiddenLine xmlns:a14="http://schemas.microsoft.com/office/drawing/2010/main" xmlns="" w="9525">
+                <a14:hiddenLine xmlns="" xmlns:a14="http://schemas.microsoft.com/office/drawing/2010/main" w="9525">
                   <a:solidFill>
                     <a:srgbClr val="000000"/>
                   </a:solidFill>
@@ -31616,14 +31635,14 @@
             </a:ln>
             <a:extLst>
               <a:ext uri="{909E8E84-426E-40dd-AFC4-6F175D3DCCD1}">
-                <a14:hiddenFill xmlns:a14="http://schemas.microsoft.com/office/drawing/2010/main" xmlns="">
+                <a14:hiddenFill xmlns="" xmlns:a14="http://schemas.microsoft.com/office/drawing/2010/main">
                   <a:solidFill>
                     <a:srgbClr val="FFFFFF"/>
                   </a:solidFill>
                 </a14:hiddenFill>
               </a:ext>
               <a:ext uri="{91240B29-F687-4f45-9708-019B960494DF}">
-                <a14:hiddenLine xmlns:a14="http://schemas.microsoft.com/office/drawing/2010/main" xmlns="" w="9525">
+                <a14:hiddenLine xmlns="" xmlns:a14="http://schemas.microsoft.com/office/drawing/2010/main" w="9525">
                   <a:solidFill>
                     <a:srgbClr val="000000"/>
                   </a:solidFill>
@@ -31783,14 +31802,14 @@
             </a:ln>
             <a:extLst>
               <a:ext uri="{909E8E84-426E-40dd-AFC4-6F175D3DCCD1}">
-                <a14:hiddenFill xmlns:a14="http://schemas.microsoft.com/office/drawing/2010/main" xmlns="">
+                <a14:hiddenFill xmlns="" xmlns:a14="http://schemas.microsoft.com/office/drawing/2010/main">
                   <a:solidFill>
                     <a:srgbClr val="FFFFFF"/>
                   </a:solidFill>
                 </a14:hiddenFill>
               </a:ext>
               <a:ext uri="{91240B29-F687-4f45-9708-019B960494DF}">
-                <a14:hiddenLine xmlns:a14="http://schemas.microsoft.com/office/drawing/2010/main" xmlns="" w="9525">
+                <a14:hiddenLine xmlns="" xmlns:a14="http://schemas.microsoft.com/office/drawing/2010/main" w="9525">
                   <a:solidFill>
                     <a:srgbClr val="000000"/>
                   </a:solidFill>
@@ -31947,14 +31966,14 @@
             </a:ln>
             <a:extLst>
               <a:ext uri="{909E8E84-426E-40dd-AFC4-6F175D3DCCD1}">
-                <a14:hiddenFill xmlns:a14="http://schemas.microsoft.com/office/drawing/2010/main" xmlns="">
+                <a14:hiddenFill xmlns="" xmlns:a14="http://schemas.microsoft.com/office/drawing/2010/main">
                   <a:solidFill>
                     <a:srgbClr val="FFFFFF"/>
                   </a:solidFill>
                 </a14:hiddenFill>
               </a:ext>
               <a:ext uri="{91240B29-F687-4f45-9708-019B960494DF}">
-                <a14:hiddenLine xmlns:a14="http://schemas.microsoft.com/office/drawing/2010/main" xmlns="" w="9525">
+                <a14:hiddenLine xmlns="" xmlns:a14="http://schemas.microsoft.com/office/drawing/2010/main" w="9525">
                   <a:solidFill>
                     <a:srgbClr val="000000"/>
                   </a:solidFill>
@@ -32131,14 +32150,14 @@
             </a:ln>
             <a:extLst>
               <a:ext uri="{909E8E84-426E-40dd-AFC4-6F175D3DCCD1}">
-                <a14:hiddenFill xmlns:a14="http://schemas.microsoft.com/office/drawing/2010/main" xmlns="">
+                <a14:hiddenFill xmlns="" xmlns:a14="http://schemas.microsoft.com/office/drawing/2010/main">
                   <a:solidFill>
                     <a:srgbClr val="FFFFFF"/>
                   </a:solidFill>
                 </a14:hiddenFill>
               </a:ext>
               <a:ext uri="{91240B29-F687-4f45-9708-019B960494DF}">
-                <a14:hiddenLine xmlns:a14="http://schemas.microsoft.com/office/drawing/2010/main" xmlns="" w="9525">
+                <a14:hiddenLine xmlns="" xmlns:a14="http://schemas.microsoft.com/office/drawing/2010/main" w="9525">
                   <a:solidFill>
                     <a:srgbClr val="000000"/>
                   </a:solidFill>
@@ -32308,14 +32327,14 @@
             </a:ln>
             <a:extLst>
               <a:ext uri="{909E8E84-426E-40dd-AFC4-6F175D3DCCD1}">
-                <a14:hiddenFill xmlns:a14="http://schemas.microsoft.com/office/drawing/2010/main" xmlns="">
+                <a14:hiddenFill xmlns="" xmlns:a14="http://schemas.microsoft.com/office/drawing/2010/main">
                   <a:solidFill>
                     <a:srgbClr val="FFFFFF"/>
                   </a:solidFill>
                 </a14:hiddenFill>
               </a:ext>
               <a:ext uri="{91240B29-F687-4f45-9708-019B960494DF}">
-                <a14:hiddenLine xmlns:a14="http://schemas.microsoft.com/office/drawing/2010/main" xmlns="" w="9525">
+                <a14:hiddenLine xmlns="" xmlns:a14="http://schemas.microsoft.com/office/drawing/2010/main" w="9525">
                   <a:solidFill>
                     <a:srgbClr val="000000"/>
                   </a:solidFill>
@@ -32492,14 +32511,14 @@
             </a:ln>
             <a:extLst>
               <a:ext uri="{909E8E84-426E-40dd-AFC4-6F175D3DCCD1}">
-                <a14:hiddenFill xmlns:a14="http://schemas.microsoft.com/office/drawing/2010/main" xmlns="">
+                <a14:hiddenFill xmlns="" xmlns:a14="http://schemas.microsoft.com/office/drawing/2010/main">
                   <a:solidFill>
                     <a:srgbClr val="FFFFFF"/>
                   </a:solidFill>
                 </a14:hiddenFill>
               </a:ext>
               <a:ext uri="{91240B29-F687-4f45-9708-019B960494DF}">
-                <a14:hiddenLine xmlns:a14="http://schemas.microsoft.com/office/drawing/2010/main" xmlns="" w="9525">
+                <a14:hiddenLine xmlns="" xmlns:a14="http://schemas.microsoft.com/office/drawing/2010/main" w="9525">
                   <a:solidFill>
                     <a:srgbClr val="000000"/>
                   </a:solidFill>
@@ -32659,14 +32678,14 @@
             </a:ln>
             <a:extLst>
               <a:ext uri="{909E8E84-426E-40dd-AFC4-6F175D3DCCD1}">
-                <a14:hiddenFill xmlns:a14="http://schemas.microsoft.com/office/drawing/2010/main" xmlns="">
+                <a14:hiddenFill xmlns="" xmlns:a14="http://schemas.microsoft.com/office/drawing/2010/main">
                   <a:solidFill>
                     <a:srgbClr val="FFFFFF"/>
                   </a:solidFill>
                 </a14:hiddenFill>
               </a:ext>
               <a:ext uri="{91240B29-F687-4f45-9708-019B960494DF}">
-                <a14:hiddenLine xmlns:a14="http://schemas.microsoft.com/office/drawing/2010/main" xmlns="" w="9525">
+                <a14:hiddenLine xmlns="" xmlns:a14="http://schemas.microsoft.com/office/drawing/2010/main" w="9525">
                   <a:solidFill>
                     <a:srgbClr val="000000"/>
                   </a:solidFill>
@@ -32823,14 +32842,14 @@
             </a:ln>
             <a:extLst>
               <a:ext uri="{909E8E84-426E-40dd-AFC4-6F175D3DCCD1}">
-                <a14:hiddenFill xmlns:a14="http://schemas.microsoft.com/office/drawing/2010/main" xmlns="">
+                <a14:hiddenFill xmlns="" xmlns:a14="http://schemas.microsoft.com/office/drawing/2010/main">
                   <a:solidFill>
                     <a:srgbClr val="FFFFFF"/>
                   </a:solidFill>
                 </a14:hiddenFill>
               </a:ext>
               <a:ext uri="{91240B29-F687-4f45-9708-019B960494DF}">
-                <a14:hiddenLine xmlns:a14="http://schemas.microsoft.com/office/drawing/2010/main" xmlns="" w="9525">
+                <a14:hiddenLine xmlns="" xmlns:a14="http://schemas.microsoft.com/office/drawing/2010/main" w="9525">
                   <a:solidFill>
                     <a:srgbClr val="000000"/>
                   </a:solidFill>
@@ -32993,7 +33012,7 @@
           </a:ln>
           <a:extLst>
             <a:ext uri="{909E8E84-426E-40dd-AFC4-6F175D3DCCD1}">
-              <a14:hiddenFill xmlns:a14="http://schemas.microsoft.com/office/drawing/2010/main" xmlns="">
+              <a14:hiddenFill xmlns="" xmlns:a14="http://schemas.microsoft.com/office/drawing/2010/main">
                 <a:solidFill>
                   <a:srgbClr val="FFFFFF"/>
                 </a:solidFill>
@@ -33043,7 +33062,7 @@
           </a:ln>
           <a:extLst>
             <a:ext uri="{909E8E84-426E-40dd-AFC4-6F175D3DCCD1}">
-              <a14:hiddenFill xmlns:a14="http://schemas.microsoft.com/office/drawing/2010/main" xmlns="">
+              <a14:hiddenFill xmlns="" xmlns:a14="http://schemas.microsoft.com/office/drawing/2010/main">
                 <a:solidFill>
                   <a:srgbClr val="FFFFFF"/>
                 </a:solidFill>
@@ -33088,14 +33107,14 @@
           </a:ln>
           <a:extLst>
             <a:ext uri="{909E8E84-426E-40dd-AFC4-6F175D3DCCD1}">
-              <a14:hiddenFill xmlns:a14="http://schemas.microsoft.com/office/drawing/2010/main" xmlns="">
+              <a14:hiddenFill xmlns="" xmlns:a14="http://schemas.microsoft.com/office/drawing/2010/main">
                 <a:solidFill>
                   <a:srgbClr val="FFFFFF"/>
                 </a:solidFill>
               </a14:hiddenFill>
             </a:ext>
             <a:ext uri="{91240B29-F687-4f45-9708-019B960494DF}">
-              <a14:hiddenLine xmlns:a14="http://schemas.microsoft.com/office/drawing/2010/main" xmlns="" w="9525">
+              <a14:hiddenLine xmlns="" xmlns:a14="http://schemas.microsoft.com/office/drawing/2010/main" w="9525">
                 <a:solidFill>
                   <a:srgbClr val="000000"/>
                 </a:solidFill>
@@ -33260,7 +33279,7 @@
           </a:ln>
           <a:extLst>
             <a:ext uri="{909E8E84-426E-40dd-AFC4-6F175D3DCCD1}">
-              <a14:hiddenFill xmlns:a14="http://schemas.microsoft.com/office/drawing/2010/main" xmlns="">
+              <a14:hiddenFill xmlns="" xmlns:a14="http://schemas.microsoft.com/office/drawing/2010/main">
                 <a:solidFill>
                   <a:srgbClr val="FFFFFF"/>
                 </a:solidFill>
@@ -33305,14 +33324,14 @@
           </a:ln>
           <a:extLst>
             <a:ext uri="{909E8E84-426E-40dd-AFC4-6F175D3DCCD1}">
-              <a14:hiddenFill xmlns:a14="http://schemas.microsoft.com/office/drawing/2010/main" xmlns="">
+              <a14:hiddenFill xmlns="" xmlns:a14="http://schemas.microsoft.com/office/drawing/2010/main">
                 <a:solidFill>
                   <a:srgbClr val="FFFFFF"/>
                 </a:solidFill>
               </a14:hiddenFill>
             </a:ext>
             <a:ext uri="{91240B29-F687-4f45-9708-019B960494DF}">
-              <a14:hiddenLine xmlns:a14="http://schemas.microsoft.com/office/drawing/2010/main" xmlns="" w="9525">
+              <a14:hiddenLine xmlns="" xmlns:a14="http://schemas.microsoft.com/office/drawing/2010/main" w="9525">
                 <a:solidFill>
                   <a:srgbClr val="000000"/>
                 </a:solidFill>
@@ -33488,14 +33507,14 @@
             </a:ln>
             <a:extLst>
               <a:ext uri="{909E8E84-426E-40dd-AFC4-6F175D3DCCD1}">
-                <a14:hiddenFill xmlns:a14="http://schemas.microsoft.com/office/drawing/2010/main" xmlns="">
+                <a14:hiddenFill xmlns="" xmlns:a14="http://schemas.microsoft.com/office/drawing/2010/main">
                   <a:solidFill>
                     <a:srgbClr val="FFFFFF"/>
                   </a:solidFill>
                 </a14:hiddenFill>
               </a:ext>
               <a:ext uri="{91240B29-F687-4f45-9708-019B960494DF}">
-                <a14:hiddenLine xmlns:a14="http://schemas.microsoft.com/office/drawing/2010/main" xmlns="" w="9525">
+                <a14:hiddenLine xmlns="" xmlns:a14="http://schemas.microsoft.com/office/drawing/2010/main" w="9525">
                   <a:solidFill>
                     <a:srgbClr val="000000"/>
                   </a:solidFill>
@@ -33665,14 +33684,14 @@
             </a:ln>
             <a:extLst>
               <a:ext uri="{909E8E84-426E-40dd-AFC4-6F175D3DCCD1}">
-                <a14:hiddenFill xmlns:a14="http://schemas.microsoft.com/office/drawing/2010/main" xmlns="">
+                <a14:hiddenFill xmlns="" xmlns:a14="http://schemas.microsoft.com/office/drawing/2010/main">
                   <a:solidFill>
                     <a:srgbClr val="FFFFFF"/>
                   </a:solidFill>
                 </a14:hiddenFill>
               </a:ext>
               <a:ext uri="{91240B29-F687-4f45-9708-019B960494DF}">
-                <a14:hiddenLine xmlns:a14="http://schemas.microsoft.com/office/drawing/2010/main" xmlns="" w="9525">
+                <a14:hiddenLine xmlns="" xmlns:a14="http://schemas.microsoft.com/office/drawing/2010/main" w="9525">
                   <a:solidFill>
                     <a:srgbClr val="000000"/>
                   </a:solidFill>
@@ -33855,7 +33874,7 @@
           </a:ln>
           <a:extLst>
             <a:ext uri="{909E8E84-426E-40dd-AFC4-6F175D3DCCD1}">
-              <a14:hiddenFill xmlns:a14="http://schemas.microsoft.com/office/drawing/2010/main" xmlns="">
+              <a14:hiddenFill xmlns="" xmlns:a14="http://schemas.microsoft.com/office/drawing/2010/main">
                 <a:solidFill>
                   <a:srgbClr val="FFFFFF"/>
                 </a:solidFill>
@@ -33900,14 +33919,14 @@
           </a:ln>
           <a:extLst>
             <a:ext uri="{909E8E84-426E-40dd-AFC4-6F175D3DCCD1}">
-              <a14:hiddenFill xmlns:a14="http://schemas.microsoft.com/office/drawing/2010/main" xmlns="">
+              <a14:hiddenFill xmlns="" xmlns:a14="http://schemas.microsoft.com/office/drawing/2010/main">
                 <a:solidFill>
                   <a:srgbClr val="FFFFFF"/>
                 </a:solidFill>
               </a14:hiddenFill>
             </a:ext>
             <a:ext uri="{91240B29-F687-4f45-9708-019B960494DF}">
-              <a14:hiddenLine xmlns:a14="http://schemas.microsoft.com/office/drawing/2010/main" xmlns="" w="9525">
+              <a14:hiddenLine xmlns="" xmlns:a14="http://schemas.microsoft.com/office/drawing/2010/main" w="9525">
                 <a:solidFill>
                   <a:srgbClr val="000000"/>
                 </a:solidFill>
@@ -34067,14 +34086,14 @@
           </a:ln>
           <a:extLst>
             <a:ext uri="{909E8E84-426E-40dd-AFC4-6F175D3DCCD1}">
-              <a14:hiddenFill xmlns:a14="http://schemas.microsoft.com/office/drawing/2010/main" xmlns="">
+              <a14:hiddenFill xmlns="" xmlns:a14="http://schemas.microsoft.com/office/drawing/2010/main">
                 <a:solidFill>
                   <a:srgbClr val="FFFFFF"/>
                 </a:solidFill>
               </a14:hiddenFill>
             </a:ext>
             <a:ext uri="{91240B29-F687-4f45-9708-019B960494DF}">
-              <a14:hiddenLine xmlns:a14="http://schemas.microsoft.com/office/drawing/2010/main" xmlns="" w="9525">
+              <a14:hiddenLine xmlns="" xmlns:a14="http://schemas.microsoft.com/office/drawing/2010/main" w="9525">
                 <a:solidFill>
                   <a:srgbClr val="000000"/>
                 </a:solidFill>
@@ -34249,7 +34268,7 @@
           </a:ln>
           <a:extLst>
             <a:ext uri="{909E8E84-426E-40dd-AFC4-6F175D3DCCD1}">
-              <a14:hiddenFill xmlns:a14="http://schemas.microsoft.com/office/drawing/2010/main" xmlns="">
+              <a14:hiddenFill xmlns="" xmlns:a14="http://schemas.microsoft.com/office/drawing/2010/main">
                 <a:solidFill>
                   <a:srgbClr val="FFFFFF"/>
                 </a:solidFill>
@@ -34294,14 +34313,14 @@
           </a:ln>
           <a:extLst>
             <a:ext uri="{909E8E84-426E-40dd-AFC4-6F175D3DCCD1}">
-              <a14:hiddenFill xmlns="" xmlns:a14="http://schemas.microsoft.com/office/drawing/2010/main">
+              <a14:hiddenFill xmlns:a14="http://schemas.microsoft.com/office/drawing/2010/main" xmlns="">
                 <a:solidFill>
                   <a:srgbClr val="FFFFFF"/>
                 </a:solidFill>
               </a14:hiddenFill>
             </a:ext>
             <a:ext uri="{91240B29-F687-4f45-9708-019B960494DF}">
-              <a14:hiddenLine xmlns="" xmlns:a14="http://schemas.microsoft.com/office/drawing/2010/main" w="9525">
+              <a14:hiddenLine xmlns:a14="http://schemas.microsoft.com/office/drawing/2010/main" xmlns="" w="9525">
                 <a:solidFill>
                   <a:srgbClr val="000000"/>
                 </a:solidFill>
@@ -34422,7 +34441,7 @@
           </a:ln>
           <a:extLst>
             <a:ext uri="{909E8E84-426E-40dd-AFC4-6F175D3DCCD1}">
-              <a14:hiddenFill xmlns:a14="http://schemas.microsoft.com/office/drawing/2010/main" xmlns="">
+              <a14:hiddenFill xmlns="" xmlns:a14="http://schemas.microsoft.com/office/drawing/2010/main">
                 <a:noFill/>
               </a14:hiddenFill>
             </a:ext>
@@ -34466,7 +34485,7 @@
           </a:ln>
           <a:extLst>
             <a:ext uri="{909E8E84-426E-40dd-AFC4-6F175D3DCCD1}">
-              <a14:hiddenFill xmlns:a14="http://schemas.microsoft.com/office/drawing/2010/main" xmlns="">
+              <a14:hiddenFill xmlns="" xmlns:a14="http://schemas.microsoft.com/office/drawing/2010/main">
                 <a:noFill/>
               </a14:hiddenFill>
             </a:ext>
@@ -34510,7 +34529,7 @@
           </a:ln>
           <a:extLst>
             <a:ext uri="{909E8E84-426E-40dd-AFC4-6F175D3DCCD1}">
-              <a14:hiddenFill xmlns:a14="http://schemas.microsoft.com/office/drawing/2010/main" xmlns="">
+              <a14:hiddenFill xmlns="" xmlns:a14="http://schemas.microsoft.com/office/drawing/2010/main">
                 <a:noFill/>
               </a14:hiddenFill>
             </a:ext>
@@ -34554,7 +34573,7 @@
           </a:ln>
           <a:extLst>
             <a:ext uri="{909E8E84-426E-40dd-AFC4-6F175D3DCCD1}">
-              <a14:hiddenFill xmlns:a14="http://schemas.microsoft.com/office/drawing/2010/main" xmlns="">
+              <a14:hiddenFill xmlns="" xmlns:a14="http://schemas.microsoft.com/office/drawing/2010/main">
                 <a:noFill/>
               </a14:hiddenFill>
             </a:ext>
@@ -34598,7 +34617,7 @@
           </a:ln>
           <a:extLst>
             <a:ext uri="{909E8E84-426E-40dd-AFC4-6F175D3DCCD1}">
-              <a14:hiddenFill xmlns:a14="http://schemas.microsoft.com/office/drawing/2010/main" xmlns="">
+              <a14:hiddenFill xmlns="" xmlns:a14="http://schemas.microsoft.com/office/drawing/2010/main">
                 <a:noFill/>
               </a14:hiddenFill>
             </a:ext>
@@ -34637,14 +34656,14 @@
           </a:ln>
           <a:extLst>
             <a:ext uri="{909E8E84-426E-40dd-AFC4-6F175D3DCCD1}">
-              <a14:hiddenFill xmlns:a14="http://schemas.microsoft.com/office/drawing/2010/main" xmlns="">
+              <a14:hiddenFill xmlns="" xmlns:a14="http://schemas.microsoft.com/office/drawing/2010/main">
                 <a:solidFill>
                   <a:srgbClr val="FFFFFF"/>
                 </a:solidFill>
               </a14:hiddenFill>
             </a:ext>
             <a:ext uri="{91240B29-F687-4f45-9708-019B960494DF}">
-              <a14:hiddenLine xmlns:a14="http://schemas.microsoft.com/office/drawing/2010/main" xmlns="" w="9525">
+              <a14:hiddenLine xmlns="" xmlns:a14="http://schemas.microsoft.com/office/drawing/2010/main" w="9525">
                 <a:solidFill>
                   <a:srgbClr val="000000"/>
                 </a:solidFill>
@@ -36306,14 +36325,14 @@
           </a:ln>
           <a:extLst>
             <a:ext uri="{909E8E84-426E-40dd-AFC4-6F175D3DCCD1}">
-              <a14:hiddenFill xmlns:a14="http://schemas.microsoft.com/office/drawing/2010/main" xmlns="">
+              <a14:hiddenFill xmlns="" xmlns:a14="http://schemas.microsoft.com/office/drawing/2010/main">
                 <a:solidFill>
                   <a:srgbClr val="FFFFFF"/>
                 </a:solidFill>
               </a14:hiddenFill>
             </a:ext>
             <a:ext uri="{91240B29-F687-4f45-9708-019B960494DF}">
-              <a14:hiddenLine xmlns:a14="http://schemas.microsoft.com/office/drawing/2010/main" xmlns="" w="9525">
+              <a14:hiddenLine xmlns="" xmlns:a14="http://schemas.microsoft.com/office/drawing/2010/main" w="9525">
                 <a:solidFill>
                   <a:srgbClr val="000000"/>
                 </a:solidFill>
@@ -36485,7 +36504,7 @@
           </a:ln>
           <a:extLst>
             <a:ext uri="{909E8E84-426E-40dd-AFC4-6F175D3DCCD1}">
-              <a14:hiddenFill xmlns:a14="http://schemas.microsoft.com/office/drawing/2010/main" xmlns="">
+              <a14:hiddenFill xmlns="" xmlns:a14="http://schemas.microsoft.com/office/drawing/2010/main">
                 <a:noFill/>
               </a14:hiddenFill>
             </a:ext>
@@ -36529,7 +36548,7 @@
           </a:ln>
           <a:extLst>
             <a:ext uri="{909E8E84-426E-40dd-AFC4-6F175D3DCCD1}">
-              <a14:hiddenFill xmlns:a14="http://schemas.microsoft.com/office/drawing/2010/main" xmlns="">
+              <a14:hiddenFill xmlns="" xmlns:a14="http://schemas.microsoft.com/office/drawing/2010/main">
                 <a:noFill/>
               </a14:hiddenFill>
             </a:ext>
@@ -36573,7 +36592,7 @@
           </a:ln>
           <a:extLst>
             <a:ext uri="{909E8E84-426E-40dd-AFC4-6F175D3DCCD1}">
-              <a14:hiddenFill xmlns:a14="http://schemas.microsoft.com/office/drawing/2010/main" xmlns="">
+              <a14:hiddenFill xmlns="" xmlns:a14="http://schemas.microsoft.com/office/drawing/2010/main">
                 <a:noFill/>
               </a14:hiddenFill>
             </a:ext>
@@ -36612,14 +36631,14 @@
           </a:ln>
           <a:extLst>
             <a:ext uri="{909E8E84-426E-40dd-AFC4-6F175D3DCCD1}">
-              <a14:hiddenFill xmlns:a14="http://schemas.microsoft.com/office/drawing/2010/main" xmlns="">
+              <a14:hiddenFill xmlns="" xmlns:a14="http://schemas.microsoft.com/office/drawing/2010/main">
                 <a:solidFill>
                   <a:srgbClr val="FFFFFF"/>
                 </a:solidFill>
               </a14:hiddenFill>
             </a:ext>
             <a:ext uri="{91240B29-F687-4f45-9708-019B960494DF}">
-              <a14:hiddenLine xmlns:a14="http://schemas.microsoft.com/office/drawing/2010/main" xmlns="" w="9525">
+              <a14:hiddenLine xmlns="" xmlns:a14="http://schemas.microsoft.com/office/drawing/2010/main" w="9525">
                 <a:solidFill>
                   <a:srgbClr val="000000"/>
                 </a:solidFill>
@@ -36791,7 +36810,7 @@
           </a:ln>
           <a:extLst>
             <a:ext uri="{909E8E84-426E-40dd-AFC4-6F175D3DCCD1}">
-              <a14:hiddenFill xmlns:a14="http://schemas.microsoft.com/office/drawing/2010/main" xmlns="">
+              <a14:hiddenFill xmlns="" xmlns:a14="http://schemas.microsoft.com/office/drawing/2010/main">
                 <a:noFill/>
               </a14:hiddenFill>
             </a:ext>
@@ -36830,14 +36849,14 @@
           </a:ln>
           <a:extLst>
             <a:ext uri="{909E8E84-426E-40dd-AFC4-6F175D3DCCD1}">
-              <a14:hiddenFill xmlns:a14="http://schemas.microsoft.com/office/drawing/2010/main" xmlns="">
+              <a14:hiddenFill xmlns="" xmlns:a14="http://schemas.microsoft.com/office/drawing/2010/main">
                 <a:solidFill>
                   <a:srgbClr val="FFFFFF"/>
                 </a:solidFill>
               </a14:hiddenFill>
             </a:ext>
             <a:ext uri="{91240B29-F687-4f45-9708-019B960494DF}">
-              <a14:hiddenLine xmlns:a14="http://schemas.microsoft.com/office/drawing/2010/main" xmlns="" w="9525">
+              <a14:hiddenLine xmlns="" xmlns:a14="http://schemas.microsoft.com/office/drawing/2010/main" w="9525">
                 <a:solidFill>
                   <a:srgbClr val="000000"/>
                 </a:solidFill>
@@ -37009,7 +37028,7 @@
           </a:ln>
           <a:extLst>
             <a:ext uri="{909E8E84-426E-40dd-AFC4-6F175D3DCCD1}">
-              <a14:hiddenFill xmlns:a14="http://schemas.microsoft.com/office/drawing/2010/main" xmlns="">
+              <a14:hiddenFill xmlns="" xmlns:a14="http://schemas.microsoft.com/office/drawing/2010/main">
                 <a:noFill/>
               </a14:hiddenFill>
             </a:ext>
@@ -37048,14 +37067,14 @@
           </a:ln>
           <a:extLst>
             <a:ext uri="{909E8E84-426E-40dd-AFC4-6F175D3DCCD1}">
-              <a14:hiddenFill xmlns:a14="http://schemas.microsoft.com/office/drawing/2010/main" xmlns="">
+              <a14:hiddenFill xmlns="" xmlns:a14="http://schemas.microsoft.com/office/drawing/2010/main">
                 <a:solidFill>
                   <a:srgbClr val="FFFFFF"/>
                 </a:solidFill>
               </a14:hiddenFill>
             </a:ext>
             <a:ext uri="{91240B29-F687-4f45-9708-019B960494DF}">
-              <a14:hiddenLine xmlns:a14="http://schemas.microsoft.com/office/drawing/2010/main" xmlns="" w="9525">
+              <a14:hiddenLine xmlns="" xmlns:a14="http://schemas.microsoft.com/office/drawing/2010/main" w="9525">
                 <a:solidFill>
                   <a:srgbClr val="000000"/>
                 </a:solidFill>
@@ -37227,7 +37246,7 @@
           </a:ln>
           <a:extLst>
             <a:ext uri="{909E8E84-426E-40dd-AFC4-6F175D3DCCD1}">
-              <a14:hiddenFill xmlns:a14="http://schemas.microsoft.com/office/drawing/2010/main" xmlns="">
+              <a14:hiddenFill xmlns="" xmlns:a14="http://schemas.microsoft.com/office/drawing/2010/main">
                 <a:noFill/>
               </a14:hiddenFill>
             </a:ext>
@@ -37266,14 +37285,14 @@
           </a:ln>
           <a:extLst>
             <a:ext uri="{909E8E84-426E-40dd-AFC4-6F175D3DCCD1}">
-              <a14:hiddenFill xmlns:a14="http://schemas.microsoft.com/office/drawing/2010/main" xmlns="">
+              <a14:hiddenFill xmlns="" xmlns:a14="http://schemas.microsoft.com/office/drawing/2010/main">
                 <a:solidFill>
                   <a:srgbClr val="FFFFFF"/>
                 </a:solidFill>
               </a14:hiddenFill>
             </a:ext>
             <a:ext uri="{91240B29-F687-4f45-9708-019B960494DF}">
-              <a14:hiddenLine xmlns:a14="http://schemas.microsoft.com/office/drawing/2010/main" xmlns="" w="9525">
+              <a14:hiddenLine xmlns="" xmlns:a14="http://schemas.microsoft.com/office/drawing/2010/main" w="9525">
                 <a:solidFill>
                   <a:srgbClr val="000000"/>
                 </a:solidFill>
@@ -37938,7 +37957,7 @@
           </a:ln>
           <a:extLst>
             <a:ext uri="{909E8E84-426E-40dd-AFC4-6F175D3DCCD1}">
-              <a14:hiddenFill xmlns:a14="http://schemas.microsoft.com/office/drawing/2010/main" xmlns="">
+              <a14:hiddenFill xmlns="" xmlns:a14="http://schemas.microsoft.com/office/drawing/2010/main">
                 <a:noFill/>
               </a14:hiddenFill>
             </a:ext>
@@ -37982,7 +38001,7 @@
           </a:ln>
           <a:extLst>
             <a:ext uri="{909E8E84-426E-40dd-AFC4-6F175D3DCCD1}">
-              <a14:hiddenFill xmlns:a14="http://schemas.microsoft.com/office/drawing/2010/main" xmlns="">
+              <a14:hiddenFill xmlns="" xmlns:a14="http://schemas.microsoft.com/office/drawing/2010/main">
                 <a:noFill/>
               </a14:hiddenFill>
             </a:ext>
@@ -38026,7 +38045,7 @@
           </a:ln>
           <a:extLst>
             <a:ext uri="{909E8E84-426E-40dd-AFC4-6F175D3DCCD1}">
-              <a14:hiddenFill xmlns:a14="http://schemas.microsoft.com/office/drawing/2010/main" xmlns="">
+              <a14:hiddenFill xmlns="" xmlns:a14="http://schemas.microsoft.com/office/drawing/2010/main">
                 <a:noFill/>
               </a14:hiddenFill>
             </a:ext>
@@ -38070,7 +38089,7 @@
           </a:ln>
           <a:extLst>
             <a:ext uri="{909E8E84-426E-40dd-AFC4-6F175D3DCCD1}">
-              <a14:hiddenFill xmlns:a14="http://schemas.microsoft.com/office/drawing/2010/main" xmlns="">
+              <a14:hiddenFill xmlns="" xmlns:a14="http://schemas.microsoft.com/office/drawing/2010/main">
                 <a:noFill/>
               </a14:hiddenFill>
             </a:ext>
@@ -38114,7 +38133,7 @@
           </a:ln>
           <a:extLst>
             <a:ext uri="{909E8E84-426E-40dd-AFC4-6F175D3DCCD1}">
-              <a14:hiddenFill xmlns:a14="http://schemas.microsoft.com/office/drawing/2010/main" xmlns="">
+              <a14:hiddenFill xmlns="" xmlns:a14="http://schemas.microsoft.com/office/drawing/2010/main">
                 <a:noFill/>
               </a14:hiddenFill>
             </a:ext>
@@ -38278,7 +38297,7 @@
             </a:ln>
             <a:extLst>
               <a:ext uri="{909E8E84-426E-40dd-AFC4-6F175D3DCCD1}">
-                <a14:hiddenFill xmlns:a14="http://schemas.microsoft.com/office/drawing/2010/main" xmlns="">
+                <a14:hiddenFill xmlns="" xmlns:a14="http://schemas.microsoft.com/office/drawing/2010/main">
                   <a:noFill/>
                 </a14:hiddenFill>
               </a:ext>
@@ -38323,7 +38342,7 @@
             </a:ln>
             <a:extLst>
               <a:ext uri="{909E8E84-426E-40dd-AFC4-6F175D3DCCD1}">
-                <a14:hiddenFill xmlns:a14="http://schemas.microsoft.com/office/drawing/2010/main" xmlns="">
+                <a14:hiddenFill xmlns="" xmlns:a14="http://schemas.microsoft.com/office/drawing/2010/main">
                   <a:noFill/>
                 </a14:hiddenFill>
               </a:ext>
@@ -38363,14 +38382,14 @@
             </a:ln>
             <a:extLst>
               <a:ext uri="{909E8E84-426E-40dd-AFC4-6F175D3DCCD1}">
-                <a14:hiddenFill xmlns:a14="http://schemas.microsoft.com/office/drawing/2010/main" xmlns="">
+                <a14:hiddenFill xmlns="" xmlns:a14="http://schemas.microsoft.com/office/drawing/2010/main">
                   <a:solidFill>
                     <a:srgbClr val="FFFFFF"/>
                   </a:solidFill>
                 </a14:hiddenFill>
               </a:ext>
               <a:ext uri="{91240B29-F687-4f45-9708-019B960494DF}">
-                <a14:hiddenLine xmlns:a14="http://schemas.microsoft.com/office/drawing/2010/main" xmlns="" w="9525">
+                <a14:hiddenLine xmlns="" xmlns:a14="http://schemas.microsoft.com/office/drawing/2010/main" w="9525">
                   <a:solidFill>
                     <a:srgbClr val="000000"/>
                   </a:solidFill>
@@ -38527,14 +38546,14 @@
             </a:ln>
             <a:extLst>
               <a:ext uri="{909E8E84-426E-40dd-AFC4-6F175D3DCCD1}">
-                <a14:hiddenFill xmlns:a14="http://schemas.microsoft.com/office/drawing/2010/main" xmlns="">
+                <a14:hiddenFill xmlns="" xmlns:a14="http://schemas.microsoft.com/office/drawing/2010/main">
                   <a:solidFill>
                     <a:srgbClr val="FFFFFF"/>
                   </a:solidFill>
                 </a14:hiddenFill>
               </a:ext>
               <a:ext uri="{91240B29-F687-4f45-9708-019B960494DF}">
-                <a14:hiddenLine xmlns:a14="http://schemas.microsoft.com/office/drawing/2010/main" xmlns="" w="9525">
+                <a14:hiddenLine xmlns="" xmlns:a14="http://schemas.microsoft.com/office/drawing/2010/main" w="9525">
                   <a:solidFill>
                     <a:srgbClr val="000000"/>
                   </a:solidFill>
@@ -38691,14 +38710,14 @@
             </a:ln>
             <a:extLst>
               <a:ext uri="{909E8E84-426E-40dd-AFC4-6F175D3DCCD1}">
-                <a14:hiddenFill xmlns:a14="http://schemas.microsoft.com/office/drawing/2010/main" xmlns="">
+                <a14:hiddenFill xmlns="" xmlns:a14="http://schemas.microsoft.com/office/drawing/2010/main">
                   <a:solidFill>
                     <a:srgbClr val="FFFFFF"/>
                   </a:solidFill>
                 </a14:hiddenFill>
               </a:ext>
               <a:ext uri="{91240B29-F687-4f45-9708-019B960494DF}">
-                <a14:hiddenLine xmlns:a14="http://schemas.microsoft.com/office/drawing/2010/main" xmlns="" w="9525">
+                <a14:hiddenLine xmlns="" xmlns:a14="http://schemas.microsoft.com/office/drawing/2010/main" w="9525">
                   <a:solidFill>
                     <a:srgbClr val="000000"/>
                   </a:solidFill>
@@ -38855,14 +38874,14 @@
             </a:ln>
             <a:extLst>
               <a:ext uri="{909E8E84-426E-40dd-AFC4-6F175D3DCCD1}">
-                <a14:hiddenFill xmlns:a14="http://schemas.microsoft.com/office/drawing/2010/main" xmlns="">
+                <a14:hiddenFill xmlns="" xmlns:a14="http://schemas.microsoft.com/office/drawing/2010/main">
                   <a:solidFill>
                     <a:srgbClr val="FFFFFF"/>
                   </a:solidFill>
                 </a14:hiddenFill>
               </a:ext>
               <a:ext uri="{91240B29-F687-4f45-9708-019B960494DF}">
-                <a14:hiddenLine xmlns:a14="http://schemas.microsoft.com/office/drawing/2010/main" xmlns="" w="9525">
+                <a14:hiddenLine xmlns="" xmlns:a14="http://schemas.microsoft.com/office/drawing/2010/main" w="9525">
                   <a:solidFill>
                     <a:srgbClr val="000000"/>
                   </a:solidFill>
@@ -39019,14 +39038,14 @@
             </a:ln>
             <a:extLst>
               <a:ext uri="{909E8E84-426E-40dd-AFC4-6F175D3DCCD1}">
-                <a14:hiddenFill xmlns:a14="http://schemas.microsoft.com/office/drawing/2010/main" xmlns="">
+                <a14:hiddenFill xmlns="" xmlns:a14="http://schemas.microsoft.com/office/drawing/2010/main">
                   <a:solidFill>
                     <a:srgbClr val="FFFFFF"/>
                   </a:solidFill>
                 </a14:hiddenFill>
               </a:ext>
               <a:ext uri="{91240B29-F687-4f45-9708-019B960494DF}">
-                <a14:hiddenLine xmlns:a14="http://schemas.microsoft.com/office/drawing/2010/main" xmlns="" w="9525">
+                <a14:hiddenLine xmlns="" xmlns:a14="http://schemas.microsoft.com/office/drawing/2010/main" w="9525">
                   <a:solidFill>
                     <a:srgbClr val="000000"/>
                   </a:solidFill>
@@ -39183,14 +39202,14 @@
             </a:ln>
             <a:extLst>
               <a:ext uri="{909E8E84-426E-40dd-AFC4-6F175D3DCCD1}">
-                <a14:hiddenFill xmlns:a14="http://schemas.microsoft.com/office/drawing/2010/main" xmlns="">
+                <a14:hiddenFill xmlns="" xmlns:a14="http://schemas.microsoft.com/office/drawing/2010/main">
                   <a:solidFill>
                     <a:srgbClr val="FFFFFF"/>
                   </a:solidFill>
                 </a14:hiddenFill>
               </a:ext>
               <a:ext uri="{91240B29-F687-4f45-9708-019B960494DF}">
-                <a14:hiddenLine xmlns:a14="http://schemas.microsoft.com/office/drawing/2010/main" xmlns="" w="9525">
+                <a14:hiddenLine xmlns="" xmlns:a14="http://schemas.microsoft.com/office/drawing/2010/main" w="9525">
                   <a:solidFill>
                     <a:srgbClr val="000000"/>
                   </a:solidFill>
@@ -39347,14 +39366,14 @@
             </a:ln>
             <a:extLst>
               <a:ext uri="{909E8E84-426E-40dd-AFC4-6F175D3DCCD1}">
-                <a14:hiddenFill xmlns:a14="http://schemas.microsoft.com/office/drawing/2010/main" xmlns="">
+                <a14:hiddenFill xmlns="" xmlns:a14="http://schemas.microsoft.com/office/drawing/2010/main">
                   <a:solidFill>
                     <a:srgbClr val="FFFFFF"/>
                   </a:solidFill>
                 </a14:hiddenFill>
               </a:ext>
               <a:ext uri="{91240B29-F687-4f45-9708-019B960494DF}">
-                <a14:hiddenLine xmlns:a14="http://schemas.microsoft.com/office/drawing/2010/main" xmlns="" w="9525">
+                <a14:hiddenLine xmlns="" xmlns:a14="http://schemas.microsoft.com/office/drawing/2010/main" w="9525">
                   <a:solidFill>
                     <a:srgbClr val="000000"/>
                   </a:solidFill>
@@ -39511,14 +39530,14 @@
             </a:ln>
             <a:extLst>
               <a:ext uri="{909E8E84-426E-40dd-AFC4-6F175D3DCCD1}">
-                <a14:hiddenFill xmlns:a14="http://schemas.microsoft.com/office/drawing/2010/main" xmlns="">
+                <a14:hiddenFill xmlns="" xmlns:a14="http://schemas.microsoft.com/office/drawing/2010/main">
                   <a:solidFill>
                     <a:srgbClr val="FFFFFF"/>
                   </a:solidFill>
                 </a14:hiddenFill>
               </a:ext>
               <a:ext uri="{91240B29-F687-4f45-9708-019B960494DF}">
-                <a14:hiddenLine xmlns:a14="http://schemas.microsoft.com/office/drawing/2010/main" xmlns="" w="9525">
+                <a14:hiddenLine xmlns="" xmlns:a14="http://schemas.microsoft.com/office/drawing/2010/main" w="9525">
                   <a:solidFill>
                     <a:srgbClr val="000000"/>
                   </a:solidFill>
@@ -39675,14 +39694,14 @@
             </a:ln>
             <a:extLst>
               <a:ext uri="{909E8E84-426E-40dd-AFC4-6F175D3DCCD1}">
-                <a14:hiddenFill xmlns:a14="http://schemas.microsoft.com/office/drawing/2010/main" xmlns="">
+                <a14:hiddenFill xmlns="" xmlns:a14="http://schemas.microsoft.com/office/drawing/2010/main">
                   <a:solidFill>
                     <a:srgbClr val="FFFFFF"/>
                   </a:solidFill>
                 </a14:hiddenFill>
               </a:ext>
               <a:ext uri="{91240B29-F687-4f45-9708-019B960494DF}">
-                <a14:hiddenLine xmlns:a14="http://schemas.microsoft.com/office/drawing/2010/main" xmlns="" w="9525">
+                <a14:hiddenLine xmlns="" xmlns:a14="http://schemas.microsoft.com/office/drawing/2010/main" w="9525">
                   <a:solidFill>
                     <a:srgbClr val="000000"/>
                   </a:solidFill>
@@ -39839,14 +39858,14 @@
             </a:ln>
             <a:extLst>
               <a:ext uri="{909E8E84-426E-40dd-AFC4-6F175D3DCCD1}">
-                <a14:hiddenFill xmlns:a14="http://schemas.microsoft.com/office/drawing/2010/main" xmlns="">
+                <a14:hiddenFill xmlns="" xmlns:a14="http://schemas.microsoft.com/office/drawing/2010/main">
                   <a:solidFill>
                     <a:srgbClr val="FFFFFF"/>
                   </a:solidFill>
                 </a14:hiddenFill>
               </a:ext>
               <a:ext uri="{91240B29-F687-4f45-9708-019B960494DF}">
-                <a14:hiddenLine xmlns:a14="http://schemas.microsoft.com/office/drawing/2010/main" xmlns="" w="9525">
+                <a14:hiddenLine xmlns="" xmlns:a14="http://schemas.microsoft.com/office/drawing/2010/main" w="9525">
                   <a:solidFill>
                     <a:srgbClr val="000000"/>
                   </a:solidFill>
@@ -40003,14 +40022,14 @@
             </a:ln>
             <a:extLst>
               <a:ext uri="{909E8E84-426E-40dd-AFC4-6F175D3DCCD1}">
-                <a14:hiddenFill xmlns:a14="http://schemas.microsoft.com/office/drawing/2010/main" xmlns="">
+                <a14:hiddenFill xmlns="" xmlns:a14="http://schemas.microsoft.com/office/drawing/2010/main">
                   <a:solidFill>
                     <a:srgbClr val="FFFFFF"/>
                   </a:solidFill>
                 </a14:hiddenFill>
               </a:ext>
               <a:ext uri="{91240B29-F687-4f45-9708-019B960494DF}">
-                <a14:hiddenLine xmlns:a14="http://schemas.microsoft.com/office/drawing/2010/main" xmlns="" w="9525">
+                <a14:hiddenLine xmlns="" xmlns:a14="http://schemas.microsoft.com/office/drawing/2010/main" w="9525">
                   <a:solidFill>
                     <a:srgbClr val="000000"/>
                   </a:solidFill>
@@ -40167,14 +40186,14 @@
             </a:ln>
             <a:extLst>
               <a:ext uri="{909E8E84-426E-40dd-AFC4-6F175D3DCCD1}">
-                <a14:hiddenFill xmlns:a14="http://schemas.microsoft.com/office/drawing/2010/main" xmlns="">
+                <a14:hiddenFill xmlns="" xmlns:a14="http://schemas.microsoft.com/office/drawing/2010/main">
                   <a:solidFill>
                     <a:srgbClr val="FFFFFF"/>
                   </a:solidFill>
                 </a14:hiddenFill>
               </a:ext>
               <a:ext uri="{91240B29-F687-4f45-9708-019B960494DF}">
-                <a14:hiddenLine xmlns:a14="http://schemas.microsoft.com/office/drawing/2010/main" xmlns="" w="9525">
+                <a14:hiddenLine xmlns="" xmlns:a14="http://schemas.microsoft.com/office/drawing/2010/main" w="9525">
                   <a:solidFill>
                     <a:srgbClr val="000000"/>
                   </a:solidFill>
@@ -42724,14 +42743,14 @@
           </a:ln>
           <a:extLst>
             <a:ext uri="{909E8E84-426E-40dd-AFC4-6F175D3DCCD1}">
-              <a14:hiddenFill xmlns:a14="http://schemas.microsoft.com/office/drawing/2010/main" xmlns="">
+              <a14:hiddenFill xmlns="" xmlns:a14="http://schemas.microsoft.com/office/drawing/2010/main">
                 <a:solidFill>
                   <a:srgbClr val="FFFFFF"/>
                 </a:solidFill>
               </a14:hiddenFill>
             </a:ext>
             <a:ext uri="{91240B29-F687-4f45-9708-019B960494DF}">
-              <a14:hiddenLine xmlns:a14="http://schemas.microsoft.com/office/drawing/2010/main" xmlns="" w="9525">
+              <a14:hiddenLine xmlns="" xmlns:a14="http://schemas.microsoft.com/office/drawing/2010/main" w="9525">
                 <a:solidFill>
                   <a:srgbClr val="000000"/>
                 </a:solidFill>
@@ -43561,14 +43580,14 @@
           </a:ln>
           <a:extLst>
             <a:ext uri="{909E8E84-426E-40dd-AFC4-6F175D3DCCD1}">
-              <a14:hiddenFill xmlns:a14="http://schemas.microsoft.com/office/drawing/2010/main" xmlns="">
+              <a14:hiddenFill xmlns="" xmlns:a14="http://schemas.microsoft.com/office/drawing/2010/main">
                 <a:solidFill>
                   <a:srgbClr val="FFFFFF"/>
                 </a:solidFill>
               </a14:hiddenFill>
             </a:ext>
             <a:ext uri="{91240B29-F687-4f45-9708-019B960494DF}">
-              <a14:hiddenLine xmlns:a14="http://schemas.microsoft.com/office/drawing/2010/main" xmlns="" w="9525">
+              <a14:hiddenLine xmlns="" xmlns:a14="http://schemas.microsoft.com/office/drawing/2010/main" w="9525">
                 <a:solidFill>
                   <a:srgbClr val="000000"/>
                 </a:solidFill>
@@ -44201,14 +44220,14 @@
           </a:ln>
           <a:extLst>
             <a:ext uri="{909E8E84-426E-40dd-AFC4-6F175D3DCCD1}">
-              <a14:hiddenFill xmlns:a14="http://schemas.microsoft.com/office/drawing/2010/main" xmlns="">
+              <a14:hiddenFill xmlns="" xmlns:a14="http://schemas.microsoft.com/office/drawing/2010/main">
                 <a:solidFill>
                   <a:srgbClr val="FFFFFF"/>
                 </a:solidFill>
               </a14:hiddenFill>
             </a:ext>
             <a:ext uri="{91240B29-F687-4f45-9708-019B960494DF}">
-              <a14:hiddenLine xmlns:a14="http://schemas.microsoft.com/office/drawing/2010/main" xmlns="" w="9525">
+              <a14:hiddenLine xmlns="" xmlns:a14="http://schemas.microsoft.com/office/drawing/2010/main" w="9525">
                 <a:solidFill>
                   <a:srgbClr val="000000"/>
                 </a:solidFill>
@@ -47229,14 +47248,14 @@
           </a:ln>
           <a:extLst>
             <a:ext uri="{909E8E84-426E-40dd-AFC4-6F175D3DCCD1}">
-              <a14:hiddenFill xmlns:a14="http://schemas.microsoft.com/office/drawing/2010/main" xmlns="">
+              <a14:hiddenFill xmlns="" xmlns:a14="http://schemas.microsoft.com/office/drawing/2010/main">
                 <a:solidFill>
                   <a:srgbClr val="FFFFFF"/>
                 </a:solidFill>
               </a14:hiddenFill>
             </a:ext>
             <a:ext uri="{91240B29-F687-4f45-9708-019B960494DF}">
-              <a14:hiddenLine xmlns:a14="http://schemas.microsoft.com/office/drawing/2010/main" xmlns="" w="9525">
+              <a14:hiddenLine xmlns="" xmlns:a14="http://schemas.microsoft.com/office/drawing/2010/main" w="9525">
                 <a:solidFill>
                   <a:srgbClr val="000000"/>
                 </a:solidFill>
@@ -48060,14 +48079,14 @@
           </a:ln>
           <a:extLst>
             <a:ext uri="{909E8E84-426E-40dd-AFC4-6F175D3DCCD1}">
-              <a14:hiddenFill xmlns:a14="http://schemas.microsoft.com/office/drawing/2010/main" xmlns="">
+              <a14:hiddenFill xmlns="" xmlns:a14="http://schemas.microsoft.com/office/drawing/2010/main">
                 <a:solidFill>
                   <a:srgbClr val="FFFFFF"/>
                 </a:solidFill>
               </a14:hiddenFill>
             </a:ext>
             <a:ext uri="{91240B29-F687-4f45-9708-019B960494DF}">
-              <a14:hiddenLine xmlns:a14="http://schemas.microsoft.com/office/drawing/2010/main" xmlns="" w="9525">
+              <a14:hiddenLine xmlns="" xmlns:a14="http://schemas.microsoft.com/office/drawing/2010/main" w="9525">
                 <a:solidFill>
                   <a:srgbClr val="000000"/>
                 </a:solidFill>
@@ -48700,14 +48719,14 @@
           </a:ln>
           <a:extLst>
             <a:ext uri="{909E8E84-426E-40dd-AFC4-6F175D3DCCD1}">
-              <a14:hiddenFill xmlns:a14="http://schemas.microsoft.com/office/drawing/2010/main" xmlns="">
+              <a14:hiddenFill xmlns="" xmlns:a14="http://schemas.microsoft.com/office/drawing/2010/main">
                 <a:solidFill>
                   <a:srgbClr val="FFFFFF"/>
                 </a:solidFill>
               </a14:hiddenFill>
             </a:ext>
             <a:ext uri="{91240B29-F687-4f45-9708-019B960494DF}">
-              <a14:hiddenLine xmlns:a14="http://schemas.microsoft.com/office/drawing/2010/main" xmlns="" w="9525">
+              <a14:hiddenLine xmlns="" xmlns:a14="http://schemas.microsoft.com/office/drawing/2010/main" w="9525">
                 <a:solidFill>
                   <a:srgbClr val="000000"/>
                 </a:solidFill>
@@ -50122,14 +50141,14 @@
           </a:ln>
           <a:extLst>
             <a:ext uri="{909E8E84-426E-40dd-AFC4-6F175D3DCCD1}">
-              <a14:hiddenFill xmlns:a14="http://schemas.microsoft.com/office/drawing/2010/main" xmlns="">
+              <a14:hiddenFill xmlns="" xmlns:a14="http://schemas.microsoft.com/office/drawing/2010/main">
                 <a:solidFill>
                   <a:srgbClr val="FFFFFF"/>
                 </a:solidFill>
               </a14:hiddenFill>
             </a:ext>
             <a:ext uri="{91240B29-F687-4f45-9708-019B960494DF}">
-              <a14:hiddenLine xmlns:a14="http://schemas.microsoft.com/office/drawing/2010/main" xmlns="" w="9525">
+              <a14:hiddenLine xmlns="" xmlns:a14="http://schemas.microsoft.com/office/drawing/2010/main" w="9525">
                 <a:solidFill>
                   <a:srgbClr val="000000"/>
                 </a:solidFill>
@@ -50953,14 +50972,14 @@
           </a:ln>
           <a:extLst>
             <a:ext uri="{909E8E84-426E-40dd-AFC4-6F175D3DCCD1}">
-              <a14:hiddenFill xmlns:a14="http://schemas.microsoft.com/office/drawing/2010/main" xmlns="">
+              <a14:hiddenFill xmlns="" xmlns:a14="http://schemas.microsoft.com/office/drawing/2010/main">
                 <a:solidFill>
                   <a:srgbClr val="FFFFFF"/>
                 </a:solidFill>
               </a14:hiddenFill>
             </a:ext>
             <a:ext uri="{91240B29-F687-4f45-9708-019B960494DF}">
-              <a14:hiddenLine xmlns:a14="http://schemas.microsoft.com/office/drawing/2010/main" xmlns="" w="9525">
+              <a14:hiddenLine xmlns="" xmlns:a14="http://schemas.microsoft.com/office/drawing/2010/main" w="9525">
                 <a:solidFill>
                   <a:srgbClr val="000000"/>
                 </a:solidFill>
@@ -51541,14 +51560,14 @@
           </a:ln>
           <a:extLst>
             <a:ext uri="{909E8E84-426E-40dd-AFC4-6F175D3DCCD1}">
-              <a14:hiddenFill xmlns:a14="http://schemas.microsoft.com/office/drawing/2010/main" xmlns="">
+              <a14:hiddenFill xmlns="" xmlns:a14="http://schemas.microsoft.com/office/drawing/2010/main">
                 <a:solidFill>
                   <a:srgbClr val="FFFFFF"/>
                 </a:solidFill>
               </a14:hiddenFill>
             </a:ext>
             <a:ext uri="{91240B29-F687-4f45-9708-019B960494DF}">
-              <a14:hiddenLine xmlns:a14="http://schemas.microsoft.com/office/drawing/2010/main" xmlns="" w="9525">
+              <a14:hiddenLine xmlns="" xmlns:a14="http://schemas.microsoft.com/office/drawing/2010/main" w="9525">
                 <a:solidFill>
                   <a:srgbClr val="000000"/>
                 </a:solidFill>
